--- a/web-component-王璨-2021年1月28日.pptx
+++ b/web-component-王璨-2021年1月28日.pptx
@@ -3,36 +3,36 @@
 <p:presentation xmlns:a="http://schemas.openxmlformats.org/drawingml/2006/main" xmlns:r="http://schemas.openxmlformats.org/officeDocument/2006/relationships" xmlns:p="http://schemas.openxmlformats.org/presentationml/2006/main" autoCompressPictures="0">
   <p:sldMasterIdLst>
     <p:sldMasterId id="2147483648" r:id="rId1"/>
-    <p:sldMasterId id="2147483661" r:id="rId3"/>
-    <p:sldMasterId id="2147483674" r:id="rId4"/>
+    <p:sldMasterId id="2147483661" r:id="rId2"/>
+    <p:sldMasterId id="2147483674" r:id="rId3"/>
   </p:sldMasterIdLst>
   <p:notesMasterIdLst>
-    <p:notesMasterId r:id="rId6"/>
+    <p:notesMasterId r:id="rId27"/>
   </p:notesMasterIdLst>
   <p:sldIdLst>
-    <p:sldId id="257" r:id="rId5"/>
+    <p:sldId id="257" r:id="rId4"/>
+    <p:sldId id="295" r:id="rId5"/>
+    <p:sldId id="296" r:id="rId6"/>
     <p:sldId id="281" r:id="rId7"/>
     <p:sldId id="300" r:id="rId8"/>
-    <p:sldId id="295" r:id="rId9"/>
-    <p:sldId id="296" r:id="rId10"/>
-    <p:sldId id="297" r:id="rId11"/>
-    <p:sldId id="285" r:id="rId12"/>
-    <p:sldId id="287" r:id="rId13"/>
-    <p:sldId id="288" r:id="rId14"/>
-    <p:sldId id="289" r:id="rId15"/>
-    <p:sldId id="290" r:id="rId16"/>
-    <p:sldId id="286" r:id="rId17"/>
-    <p:sldId id="302" r:id="rId18"/>
-    <p:sldId id="258" r:id="rId19"/>
-    <p:sldId id="283" r:id="rId20"/>
-    <p:sldId id="298" r:id="rId21"/>
-    <p:sldId id="321" r:id="rId22"/>
-    <p:sldId id="299" r:id="rId23"/>
-    <p:sldId id="294" r:id="rId24"/>
-    <p:sldId id="271" r:id="rId25"/>
-    <p:sldId id="303" r:id="rId26"/>
-    <p:sldId id="273" r:id="rId27"/>
-    <p:sldId id="259" r:id="rId28"/>
+    <p:sldId id="297" r:id="rId9"/>
+    <p:sldId id="285" r:id="rId10"/>
+    <p:sldId id="287" r:id="rId11"/>
+    <p:sldId id="288" r:id="rId12"/>
+    <p:sldId id="289" r:id="rId13"/>
+    <p:sldId id="290" r:id="rId14"/>
+    <p:sldId id="286" r:id="rId15"/>
+    <p:sldId id="302" r:id="rId16"/>
+    <p:sldId id="258" r:id="rId17"/>
+    <p:sldId id="283" r:id="rId18"/>
+    <p:sldId id="298" r:id="rId19"/>
+    <p:sldId id="321" r:id="rId20"/>
+    <p:sldId id="299" r:id="rId21"/>
+    <p:sldId id="294" r:id="rId22"/>
+    <p:sldId id="271" r:id="rId23"/>
+    <p:sldId id="303" r:id="rId24"/>
+    <p:sldId id="273" r:id="rId25"/>
+    <p:sldId id="259" r:id="rId26"/>
   </p:sldIdLst>
   <p:sldSz cx="12192000" cy="6858000"/>
   <p:notesSz cx="6858000" cy="9144000"/>
@@ -131,6 +131,11 @@
       </a:defRPr>
     </a:lvl9pPr>
   </p:defaultTextStyle>
+  <p:extLst>
+    <p:ext uri="{EFAFB233-063F-42B5-8137-9DF3F51BA10A}">
+      <p15:sldGuideLst xmlns:p15="http://schemas.microsoft.com/office/powerpoint/2012/main"/>
+    </p:ext>
+  </p:extLst>
 </p:presentation>
 </file>
 
@@ -216,6 +221,7 @@
           <a:p>
             <a:fld id="{A56EA2CF-F1A5-5745-8CCB-5CDFB04649B9}" type="datetimeFigureOut">
               <a:rPr kumimoji="1" lang="zh-CN" altLang="en-US" smtClean="0"/>
+              <a:t>2021-5-24</a:t>
             </a:fld>
             <a:endParaRPr kumimoji="1" lang="zh-CN" altLang="en-US"/>
           </a:p>
@@ -282,7 +288,6 @@
               <a:rPr kumimoji="1" lang="zh-CN" altLang="en-US"/>
               <a:t>单击此处编辑母版文本样式</a:t>
             </a:r>
-            <a:endParaRPr kumimoji="1" lang="zh-CN" altLang="en-US"/>
           </a:p>
           <a:p>
             <a:pPr lvl="1"/>
@@ -290,7 +295,6 @@
               <a:rPr kumimoji="1" lang="zh-CN" altLang="en-US"/>
               <a:t>二级</a:t>
             </a:r>
-            <a:endParaRPr kumimoji="1" lang="zh-CN" altLang="en-US"/>
           </a:p>
           <a:p>
             <a:pPr lvl="2"/>
@@ -298,7 +302,6 @@
               <a:rPr kumimoji="1" lang="zh-CN" altLang="en-US"/>
               <a:t>三级</a:t>
             </a:r>
-            <a:endParaRPr kumimoji="1" lang="zh-CN" altLang="en-US"/>
           </a:p>
           <a:p>
             <a:pPr lvl="3"/>
@@ -306,7 +309,6 @@
               <a:rPr kumimoji="1" lang="zh-CN" altLang="en-US"/>
               <a:t>四级</a:t>
             </a:r>
-            <a:endParaRPr kumimoji="1" lang="zh-CN" altLang="en-US"/>
           </a:p>
           <a:p>
             <a:pPr lvl="4"/>
@@ -314,7 +316,6 @@
               <a:rPr kumimoji="1" lang="zh-CN" altLang="en-US"/>
               <a:t>五级</a:t>
             </a:r>
-            <a:endParaRPr kumimoji="1" lang="zh-CN" altLang="en-US"/>
           </a:p>
         </p:txBody>
       </p:sp>
@@ -378,6 +379,7 @@
           <a:p>
             <a:fld id="{3D2649E4-DAA6-674D-84E5-AA32286FED63}" type="slidenum">
               <a:rPr kumimoji="1" lang="zh-CN" altLang="en-US" smtClean="0"/>
+              <a:t>‹#›</a:t>
             </a:fld>
             <a:endParaRPr kumimoji="1" lang="zh-CN" altLang="en-US"/>
           </a:p>
@@ -544,7 +546,6 @@
               <a:rPr kumimoji="1" lang="en-US" altLang="zh-CN" dirty="0"/>
               <a:t>】</a:t>
             </a:r>
-            <a:endParaRPr kumimoji="1" lang="en-US" altLang="zh-CN" dirty="0"/>
           </a:p>
           <a:p>
             <a:r>
@@ -603,7 +604,6 @@
               <a:rPr kumimoji="1" lang="en-US" altLang="zh-CN" dirty="0"/>
               <a:t>】</a:t>
             </a:r>
-            <a:endParaRPr kumimoji="1" lang="en-US" altLang="zh-CN" dirty="0"/>
           </a:p>
           <a:p>
             <a:r>
@@ -675,6 +675,7 @@
                   <a:prstClr val="black"/>
                 </a:solidFill>
               </a:rPr>
+              <a:t>1</a:t>
             </a:fld>
             <a:endParaRPr kumimoji="1" lang="zh-CN" altLang="en-US">
               <a:solidFill>
@@ -755,7 +756,6 @@
               <a:rPr lang="en-US" altLang="zh-CN" dirty="0"/>
               <a:t>】</a:t>
             </a:r>
-            <a:endParaRPr lang="en-US" altLang="zh-CN" dirty="0"/>
           </a:p>
           <a:p>
             <a:r>
@@ -850,7 +850,6 @@
               <a:rPr kumimoji="1" lang="en-US" altLang="zh-CN" dirty="0"/>
               <a:t>】</a:t>
             </a:r>
-            <a:endParaRPr kumimoji="1" lang="en-US" altLang="zh-CN" dirty="0"/>
           </a:p>
           <a:p>
             <a:r>
@@ -919,6 +918,7 @@
           <a:p>
             <a:fld id="{81C34C55-1166-C94F-ADC1-41D4A9830C98}" type="slidenum">
               <a:rPr kumimoji="1" lang="zh-CN" altLang="en-US" smtClean="0"/>
+              <a:t>14</a:t>
             </a:fld>
             <a:endParaRPr kumimoji="1" lang="zh-CN" altLang="en-US"/>
           </a:p>
@@ -997,7 +997,6 @@
               <a:rPr kumimoji="1" lang="en-US" altLang="zh-CN" dirty="0"/>
               <a:t>【Slogan】</a:t>
             </a:r>
-            <a:endParaRPr kumimoji="1" lang="en-US" altLang="zh-CN" dirty="0"/>
           </a:p>
           <a:p>
             <a:pPr marL="71755" indent="0">
@@ -1014,7 +1013,6 @@
               <a:rPr lang="en-US" altLang="zh-CN" dirty="0"/>
               <a:t>Arial</a:t>
             </a:r>
-            <a:endParaRPr lang="en-US" altLang="zh-CN" dirty="0"/>
           </a:p>
           <a:p>
             <a:pPr marL="71755" indent="0">
@@ -1035,7 +1033,6 @@
               <a:rPr lang="zh-CN" altLang="en-US" dirty="0"/>
               <a:t>号</a:t>
             </a:r>
-            <a:endParaRPr lang="zh-CN" altLang="en-US" dirty="0"/>
           </a:p>
           <a:p>
             <a:pPr marL="71755" indent="0">
@@ -1048,7 +1045,6 @@
               <a:rPr lang="zh-CN" altLang="en-US" dirty="0"/>
               <a:t>颜色：白色</a:t>
             </a:r>
-            <a:endParaRPr lang="zh-CN" altLang="en-US" dirty="0"/>
           </a:p>
           <a:p>
             <a:pPr marL="71755" indent="0">
@@ -1089,7 +1085,6 @@
               <a:rPr lang="en-US" altLang="zh-CN" dirty="0"/>
               <a:t>】</a:t>
             </a:r>
-            <a:endParaRPr lang="en-US" altLang="zh-CN" dirty="0"/>
           </a:p>
           <a:p>
             <a:pPr marL="71755" indent="0">
@@ -1102,7 +1097,6 @@
               <a:rPr lang="zh-CN" altLang="en-US" dirty="0"/>
               <a:t>字体：微软雅黑</a:t>
             </a:r>
-            <a:endParaRPr lang="zh-CN" altLang="en-US" dirty="0"/>
           </a:p>
           <a:p>
             <a:pPr marL="71755" indent="0">
@@ -1123,7 +1117,6 @@
               <a:rPr lang="zh-CN" altLang="en-US" dirty="0"/>
               <a:t>号</a:t>
             </a:r>
-            <a:endParaRPr lang="zh-CN" altLang="en-US" dirty="0"/>
           </a:p>
           <a:p>
             <a:pPr marL="71755" indent="0">
@@ -1136,7 +1129,6 @@
               <a:rPr lang="zh-CN" altLang="en-US" dirty="0"/>
               <a:t>颜色：白色</a:t>
             </a:r>
-            <a:endParaRPr lang="zh-CN" altLang="en-US" dirty="0"/>
           </a:p>
           <a:p>
             <a:pPr marL="71755" indent="0">
@@ -1157,7 +1149,6 @@
               <a:rPr lang="zh-CN" altLang="en-US" dirty="0"/>
               <a:t>号</a:t>
             </a:r>
-            <a:endParaRPr lang="zh-CN" altLang="en-US" dirty="0"/>
           </a:p>
           <a:p>
             <a:endParaRPr kumimoji="1" lang="zh-CN" altLang="en-US" dirty="0"/>
@@ -1185,6 +1176,7 @@
                   <a:prstClr val="black"/>
                 </a:solidFill>
               </a:rPr>
+              <a:t>23</a:t>
             </a:fld>
             <a:endParaRPr kumimoji="1" lang="zh-CN" altLang="en-US">
               <a:solidFill>
@@ -1271,6 +1263,7 @@
                   </a:srgbClr>
                 </a:solidFill>
               </a:rPr>
+              <a:t>2021-5-24</a:t>
             </a:fld>
             <a:endParaRPr kumimoji="1" lang="zh-CN" altLang="en-US">
               <a:solidFill>
@@ -1340,6 +1333,7 @@
                   </a:srgbClr>
                 </a:solidFill>
               </a:rPr>
+              <a:t>‹#›</a:t>
             </a:fld>
             <a:endParaRPr kumimoji="1" lang="zh-CN" altLang="en-US">
               <a:solidFill>
@@ -1457,7 +1451,6 @@
               <a:rPr kumimoji="1" lang="zh-CN" altLang="en-US" dirty="0"/>
               <a:t>单击此处编辑母版标题样式</a:t>
             </a:r>
-            <a:endParaRPr kumimoji="1" lang="zh-CN" altLang="en-US" dirty="0"/>
           </a:p>
         </p:txBody>
       </p:sp>
@@ -1539,7 +1532,6 @@
               <a:rPr kumimoji="1" lang="zh-CN" altLang="en-US" dirty="0"/>
               <a:t>单击此处编辑母版副标题样式</a:t>
             </a:r>
-            <a:endParaRPr kumimoji="1" lang="zh-CN" altLang="en-US" dirty="0"/>
           </a:p>
         </p:txBody>
       </p:sp>
@@ -1941,7 +1933,6 @@
               <a:rPr kumimoji="1" lang="zh-CN" altLang="en-US" dirty="0"/>
               <a:t>编辑母版标题样式</a:t>
             </a:r>
-            <a:endParaRPr kumimoji="1" lang="zh-CN" altLang="en-US" dirty="0"/>
           </a:p>
         </p:txBody>
       </p:sp>
@@ -1988,7 +1979,6 @@
               <a:rPr kumimoji="1" lang="zh-CN" altLang="en-US" dirty="0"/>
               <a:t>单击此处编辑母版文本样式</a:t>
             </a:r>
-            <a:endParaRPr kumimoji="1" lang="zh-CN" altLang="en-US" dirty="0"/>
           </a:p>
           <a:p>
             <a:pPr lvl="1"/>
@@ -1996,7 +1986,6 @@
               <a:rPr kumimoji="1" lang="zh-CN" altLang="en-US" dirty="0"/>
               <a:t>二级</a:t>
             </a:r>
-            <a:endParaRPr kumimoji="1" lang="zh-CN" altLang="en-US" dirty="0"/>
           </a:p>
           <a:p>
             <a:pPr lvl="2"/>
@@ -2004,7 +1993,6 @@
               <a:rPr kumimoji="1" lang="zh-CN" altLang="en-US" dirty="0"/>
               <a:t>三级</a:t>
             </a:r>
-            <a:endParaRPr kumimoji="1" lang="zh-CN" altLang="en-US" dirty="0"/>
           </a:p>
           <a:p>
             <a:pPr lvl="3"/>
@@ -2012,7 +2000,6 @@
               <a:rPr kumimoji="1" lang="zh-CN" altLang="en-US" dirty="0"/>
               <a:t>四级</a:t>
             </a:r>
-            <a:endParaRPr kumimoji="1" lang="zh-CN" altLang="en-US" dirty="0"/>
           </a:p>
           <a:p>
             <a:pPr lvl="4"/>
@@ -2020,7 +2007,6 @@
               <a:rPr kumimoji="1" lang="zh-CN" altLang="en-US" dirty="0"/>
               <a:t>五级</a:t>
             </a:r>
-            <a:endParaRPr kumimoji="1" lang="zh-CN" altLang="en-US" dirty="0"/>
           </a:p>
         </p:txBody>
       </p:sp>
@@ -2088,7 +2074,6 @@
               <a:rPr kumimoji="1" lang="zh-CN" altLang="en-US" dirty="0"/>
               <a:t>单击此处编辑母版文本样式</a:t>
             </a:r>
-            <a:endParaRPr kumimoji="1" lang="zh-CN" altLang="en-US" dirty="0"/>
           </a:p>
         </p:txBody>
       </p:sp>
@@ -2115,6 +2100,7 @@
                   </a:srgbClr>
                 </a:solidFill>
               </a:rPr>
+              <a:t>2021-5-24</a:t>
             </a:fld>
             <a:endParaRPr kumimoji="1" lang="zh-CN" altLang="en-US">
               <a:solidFill>
@@ -2174,6 +2160,7 @@
                   </a:srgbClr>
                 </a:solidFill>
               </a:rPr>
+              <a:t>‹#›</a:t>
             </a:fld>
             <a:endParaRPr kumimoji="1" lang="zh-CN" altLang="en-US">
               <a:solidFill>
@@ -2319,6 +2306,7 @@
                   </a:srgbClr>
                 </a:solidFill>
               </a:rPr>
+              <a:t>2021-5-24</a:t>
             </a:fld>
             <a:endParaRPr kumimoji="1" lang="zh-CN" altLang="en-US">
               <a:solidFill>
@@ -2378,6 +2366,7 @@
                   </a:srgbClr>
                 </a:solidFill>
               </a:rPr>
+              <a:t>‹#›</a:t>
             </a:fld>
             <a:endParaRPr kumimoji="1" lang="zh-CN" altLang="en-US">
               <a:solidFill>
@@ -4124,6 +4113,7 @@
                   </a:srgbClr>
                 </a:solidFill>
               </a:rPr>
+              <a:t>2021-5-24</a:t>
             </a:fld>
             <a:endParaRPr kumimoji="1" lang="zh-CN" altLang="en-US" dirty="0">
               <a:solidFill>
@@ -4183,6 +4173,7 @@
                   </a:srgbClr>
                 </a:solidFill>
               </a:rPr>
+              <a:t>‹#›</a:t>
             </a:fld>
             <a:endParaRPr kumimoji="1" lang="zh-CN" altLang="en-US" dirty="0">
               <a:solidFill>
@@ -4271,6 +4262,7 @@
                   </a:srgbClr>
                 </a:solidFill>
               </a:rPr>
+              <a:t>2021-5-24</a:t>
             </a:fld>
             <a:endParaRPr kumimoji="1" lang="zh-CN" altLang="en-US">
               <a:solidFill>
@@ -4340,6 +4332,7 @@
                   </a:srgbClr>
                 </a:solidFill>
               </a:rPr>
+              <a:t>‹#›</a:t>
             </a:fld>
             <a:endParaRPr kumimoji="1" lang="zh-CN" altLang="en-US">
               <a:solidFill>
@@ -4457,7 +4450,6 @@
               <a:rPr kumimoji="1" lang="zh-CN" altLang="en-US" dirty="0"/>
               <a:t>单击此处编辑母版标题样式</a:t>
             </a:r>
-            <a:endParaRPr kumimoji="1" lang="zh-CN" altLang="en-US" dirty="0"/>
           </a:p>
         </p:txBody>
       </p:sp>
@@ -4539,7 +4531,6 @@
               <a:rPr kumimoji="1" lang="zh-CN" altLang="en-US" dirty="0"/>
               <a:t>单击此处编辑母版副标题样式</a:t>
             </a:r>
-            <a:endParaRPr kumimoji="1" lang="zh-CN" altLang="en-US" dirty="0"/>
           </a:p>
         </p:txBody>
       </p:sp>
@@ -4958,6 +4949,7 @@
                   </a:srgbClr>
                 </a:solidFill>
               </a:rPr>
+              <a:t>2021-5-24</a:t>
             </a:fld>
             <a:endParaRPr kumimoji="1" lang="zh-CN" altLang="en-US">
               <a:solidFill>
@@ -5017,6 +5009,7 @@
                   </a:srgbClr>
                 </a:solidFill>
               </a:rPr>
+              <a:t>‹#›</a:t>
             </a:fld>
             <a:endParaRPr kumimoji="1" lang="zh-CN" altLang="en-US">
               <a:solidFill>
@@ -5544,7 +5537,6 @@
               <a:rPr kumimoji="1" lang="zh-CN" altLang="en-US" dirty="0"/>
               <a:t>输入目录</a:t>
             </a:r>
-            <a:endParaRPr kumimoji="1" lang="zh-CN" altLang="en-US" dirty="0"/>
           </a:p>
         </p:txBody>
       </p:sp>
@@ -5622,7 +5614,6 @@
               <a:rPr kumimoji="1" lang="zh-CN" altLang="en-US" dirty="0"/>
               <a:t>输入替换标题</a:t>
             </a:r>
-            <a:endParaRPr kumimoji="1" lang="zh-CN" altLang="en-US" dirty="0"/>
           </a:p>
         </p:txBody>
       </p:sp>
@@ -5700,7 +5691,6 @@
               <a:rPr kumimoji="1" lang="zh-CN" altLang="en-US" dirty="0"/>
               <a:t>输入替换标题</a:t>
             </a:r>
-            <a:endParaRPr kumimoji="1" lang="zh-CN" altLang="en-US" dirty="0"/>
           </a:p>
         </p:txBody>
       </p:sp>
@@ -5778,7 +5768,6 @@
               <a:rPr kumimoji="1" lang="zh-CN" altLang="en-US" dirty="0"/>
               <a:t>输入替换标题</a:t>
             </a:r>
-            <a:endParaRPr kumimoji="1" lang="zh-CN" altLang="en-US" dirty="0"/>
           </a:p>
         </p:txBody>
       </p:sp>
@@ -5856,7 +5845,6 @@
               <a:rPr kumimoji="1" lang="zh-CN" altLang="en-US" dirty="0"/>
               <a:t>输入替换标题</a:t>
             </a:r>
-            <a:endParaRPr kumimoji="1" lang="zh-CN" altLang="en-US" dirty="0"/>
           </a:p>
         </p:txBody>
       </p:sp>
@@ -6053,6 +6041,7 @@
                   </a:srgbClr>
                 </a:solidFill>
               </a:rPr>
+              <a:t>2021-5-24</a:t>
             </a:fld>
             <a:endParaRPr kumimoji="1" lang="zh-CN" altLang="en-US">
               <a:solidFill>
@@ -6112,6 +6101,7 @@
                   </a:srgbClr>
                 </a:solidFill>
               </a:rPr>
+              <a:t>‹#›</a:t>
             </a:fld>
             <a:endParaRPr kumimoji="1" lang="zh-CN" altLang="en-US">
               <a:solidFill>
@@ -6265,7 +6255,6 @@
               <a:rPr kumimoji="1" lang="zh-CN" altLang="en-US" dirty="0"/>
               <a:t>输入替换文字</a:t>
             </a:r>
-            <a:endParaRPr kumimoji="1" lang="zh-CN" altLang="en-US" dirty="0"/>
           </a:p>
         </p:txBody>
       </p:sp>
@@ -6340,7 +6329,6 @@
               <a:rPr kumimoji="1" lang="zh-CN" altLang="en-US" dirty="0"/>
               <a:t>单击编辑标题</a:t>
             </a:r>
-            <a:endParaRPr kumimoji="1" lang="zh-CN" altLang="en-US" dirty="0"/>
           </a:p>
         </p:txBody>
       </p:sp>
@@ -6427,7 +6415,6 @@
               <a:rPr kumimoji="1" lang="zh-CN" altLang="en-US" dirty="0"/>
               <a:t>单击编辑章节标题</a:t>
             </a:r>
-            <a:endParaRPr kumimoji="1" lang="zh-CN" altLang="en-US" dirty="0"/>
           </a:p>
         </p:txBody>
       </p:sp>
@@ -6454,6 +6441,7 @@
                   </a:srgbClr>
                 </a:solidFill>
               </a:rPr>
+              <a:t>2021-5-24</a:t>
             </a:fld>
             <a:endParaRPr kumimoji="1" lang="zh-CN" altLang="en-US">
               <a:solidFill>
@@ -6513,6 +6501,7 @@
                   </a:srgbClr>
                 </a:solidFill>
               </a:rPr>
+              <a:t>‹#›</a:t>
             </a:fld>
             <a:endParaRPr kumimoji="1" lang="zh-CN" altLang="en-US">
               <a:solidFill>
@@ -6705,7 +6694,6 @@
               <a:rPr kumimoji="1" lang="zh-CN" altLang="en-US" dirty="0"/>
               <a:t>单击此处编辑母版文本</a:t>
             </a:r>
-            <a:endParaRPr kumimoji="1" lang="zh-CN" altLang="en-US" dirty="0"/>
           </a:p>
         </p:txBody>
       </p:sp>
@@ -6780,7 +6768,6 @@
               <a:rPr kumimoji="1" lang="zh-CN" altLang="en-US" dirty="0"/>
               <a:t>单击此处编辑母版文本</a:t>
             </a:r>
-            <a:endParaRPr kumimoji="1" lang="zh-CN" altLang="en-US" dirty="0"/>
           </a:p>
         </p:txBody>
       </p:sp>
@@ -6855,7 +6842,6 @@
               <a:rPr kumimoji="1" lang="zh-CN" altLang="en-US" dirty="0"/>
               <a:t>单击此处编辑母版文本</a:t>
             </a:r>
-            <a:endParaRPr kumimoji="1" lang="zh-CN" altLang="en-US" dirty="0"/>
           </a:p>
         </p:txBody>
       </p:sp>
@@ -6930,7 +6916,6 @@
               <a:rPr kumimoji="1" lang="zh-CN" altLang="en-US" dirty="0"/>
               <a:t>单击此处编辑母版文本</a:t>
             </a:r>
-            <a:endParaRPr kumimoji="1" lang="zh-CN" altLang="en-US" dirty="0"/>
           </a:p>
         </p:txBody>
       </p:sp>
@@ -6983,7 +6968,6 @@
               <a:rPr kumimoji="1" lang="zh-CN" altLang="en-US" dirty="0"/>
               <a:t>单击此处编辑母版标题样式</a:t>
             </a:r>
-            <a:endParaRPr kumimoji="1" lang="zh-CN" altLang="en-US" dirty="0"/>
           </a:p>
         </p:txBody>
       </p:sp>
@@ -7010,6 +6994,7 @@
                   </a:srgbClr>
                 </a:solidFill>
               </a:rPr>
+              <a:t>2021-5-24</a:t>
             </a:fld>
             <a:endParaRPr kumimoji="1" lang="zh-CN" altLang="en-US">
               <a:solidFill>
@@ -7069,6 +7054,7 @@
                   </a:srgbClr>
                 </a:solidFill>
               </a:rPr>
+              <a:t>‹#›</a:t>
             </a:fld>
             <a:endParaRPr kumimoji="1" lang="zh-CN" altLang="en-US" dirty="0">
               <a:solidFill>
@@ -7442,7 +7428,6 @@
               <a:rPr kumimoji="1" lang="zh-CN" altLang="en-US" dirty="0"/>
               <a:t>单击此处编辑母版文本样式</a:t>
             </a:r>
-            <a:endParaRPr kumimoji="1" lang="zh-CN" altLang="en-US" dirty="0"/>
           </a:p>
           <a:p>
             <a:pPr lvl="1"/>
@@ -7450,7 +7435,6 @@
               <a:rPr kumimoji="1" lang="zh-CN" altLang="en-US" dirty="0"/>
               <a:t>二级</a:t>
             </a:r>
-            <a:endParaRPr kumimoji="1" lang="zh-CN" altLang="en-US" dirty="0"/>
           </a:p>
           <a:p>
             <a:pPr lvl="2"/>
@@ -7458,7 +7442,6 @@
               <a:rPr kumimoji="1" lang="zh-CN" altLang="en-US" dirty="0"/>
               <a:t>三级</a:t>
             </a:r>
-            <a:endParaRPr kumimoji="1" lang="zh-CN" altLang="en-US" dirty="0"/>
           </a:p>
           <a:p>
             <a:pPr lvl="3"/>
@@ -7466,7 +7449,6 @@
               <a:rPr kumimoji="1" lang="zh-CN" altLang="en-US" dirty="0"/>
               <a:t>四级</a:t>
             </a:r>
-            <a:endParaRPr kumimoji="1" lang="zh-CN" altLang="en-US" dirty="0"/>
           </a:p>
           <a:p>
             <a:pPr lvl="4"/>
@@ -7474,7 +7456,6 @@
               <a:rPr kumimoji="1" lang="zh-CN" altLang="en-US" dirty="0"/>
               <a:t>五级</a:t>
             </a:r>
-            <a:endParaRPr kumimoji="1" lang="zh-CN" altLang="en-US" dirty="0"/>
           </a:p>
         </p:txBody>
       </p:sp>
@@ -7502,7 +7483,6 @@
               <a:rPr kumimoji="1" lang="zh-CN" altLang="en-US" dirty="0"/>
               <a:t>单击此处编辑母版标题样式</a:t>
             </a:r>
-            <a:endParaRPr kumimoji="1" lang="zh-CN" altLang="en-US" dirty="0"/>
           </a:p>
         </p:txBody>
       </p:sp>
@@ -7529,6 +7509,7 @@
                   </a:srgbClr>
                 </a:solidFill>
               </a:rPr>
+              <a:t>2021-5-24</a:t>
             </a:fld>
             <a:endParaRPr kumimoji="1" lang="zh-CN" altLang="en-US">
               <a:solidFill>
@@ -7588,6 +7569,7 @@
                   </a:srgbClr>
                 </a:solidFill>
               </a:rPr>
+              <a:t>‹#›</a:t>
             </a:fld>
             <a:endParaRPr kumimoji="1" lang="zh-CN" altLang="en-US" dirty="0">
               <a:solidFill>
@@ -7967,6 +7949,7 @@
                   </a:srgbClr>
                 </a:solidFill>
               </a:rPr>
+              <a:t>2021-5-24</a:t>
             </a:fld>
             <a:endParaRPr kumimoji="1" lang="zh-CN" altLang="en-US">
               <a:solidFill>
@@ -8026,6 +8009,7 @@
                   </a:srgbClr>
                 </a:solidFill>
               </a:rPr>
+              <a:t>‹#›</a:t>
             </a:fld>
             <a:endParaRPr kumimoji="1" lang="zh-CN" altLang="en-US">
               <a:solidFill>
@@ -8553,7 +8537,6 @@
               <a:rPr kumimoji="1" lang="zh-CN" altLang="en-US" dirty="0"/>
               <a:t>输入目录</a:t>
             </a:r>
-            <a:endParaRPr kumimoji="1" lang="zh-CN" altLang="en-US" dirty="0"/>
           </a:p>
         </p:txBody>
       </p:sp>
@@ -8631,7 +8614,6 @@
               <a:rPr kumimoji="1" lang="zh-CN" altLang="en-US" dirty="0"/>
               <a:t>输入替换标题</a:t>
             </a:r>
-            <a:endParaRPr kumimoji="1" lang="zh-CN" altLang="en-US" dirty="0"/>
           </a:p>
         </p:txBody>
       </p:sp>
@@ -8709,7 +8691,6 @@
               <a:rPr kumimoji="1" lang="zh-CN" altLang="en-US" dirty="0"/>
               <a:t>输入替换标题</a:t>
             </a:r>
-            <a:endParaRPr kumimoji="1" lang="zh-CN" altLang="en-US" dirty="0"/>
           </a:p>
         </p:txBody>
       </p:sp>
@@ -8787,7 +8768,6 @@
               <a:rPr kumimoji="1" lang="zh-CN" altLang="en-US" dirty="0"/>
               <a:t>输入替换标题</a:t>
             </a:r>
-            <a:endParaRPr kumimoji="1" lang="zh-CN" altLang="en-US" dirty="0"/>
           </a:p>
         </p:txBody>
       </p:sp>
@@ -8865,7 +8845,6 @@
               <a:rPr kumimoji="1" lang="zh-CN" altLang="en-US" dirty="0"/>
               <a:t>输入替换标题</a:t>
             </a:r>
-            <a:endParaRPr kumimoji="1" lang="zh-CN" altLang="en-US" dirty="0"/>
           </a:p>
         </p:txBody>
       </p:sp>
@@ -9019,7 +8998,6 @@
               <a:rPr kumimoji="1" lang="zh-CN" altLang="en-US" dirty="0"/>
               <a:t>单击此处编辑母版标题样式</a:t>
             </a:r>
-            <a:endParaRPr kumimoji="1" lang="zh-CN" altLang="en-US" dirty="0"/>
           </a:p>
         </p:txBody>
       </p:sp>
@@ -9133,6 +9111,7 @@
                   </a:srgbClr>
                 </a:solidFill>
               </a:rPr>
+              <a:t>2021-5-24</a:t>
             </a:fld>
             <a:endParaRPr kumimoji="1" lang="zh-CN" altLang="en-US">
               <a:solidFill>
@@ -9192,6 +9171,7 @@
                   </a:srgbClr>
                 </a:solidFill>
               </a:rPr>
+              <a:t>‹#›</a:t>
             </a:fld>
             <a:endParaRPr kumimoji="1" lang="zh-CN" altLang="en-US">
               <a:solidFill>
@@ -9252,7 +9232,6 @@
               <a:rPr kumimoji="1" lang="zh-CN" altLang="en-US" dirty="0"/>
               <a:t>单击此处编辑母版标题样式</a:t>
             </a:r>
-            <a:endParaRPr kumimoji="1" lang="zh-CN" altLang="en-US" dirty="0"/>
           </a:p>
         </p:txBody>
       </p:sp>
@@ -9324,7 +9303,6 @@
               <a:rPr kumimoji="1" lang="zh-CN" altLang="en-US" dirty="0"/>
               <a:t>单击此处编辑母版文本样式</a:t>
             </a:r>
-            <a:endParaRPr kumimoji="1" lang="zh-CN" altLang="en-US" dirty="0"/>
           </a:p>
         </p:txBody>
       </p:sp>
@@ -9371,7 +9349,6 @@
               <a:rPr kumimoji="1" lang="zh-CN" altLang="en-US" dirty="0"/>
               <a:t>单击此处编辑母版文本样式</a:t>
             </a:r>
-            <a:endParaRPr kumimoji="1" lang="zh-CN" altLang="en-US" dirty="0"/>
           </a:p>
           <a:p>
             <a:pPr lvl="1"/>
@@ -9379,7 +9356,6 @@
               <a:rPr kumimoji="1" lang="zh-CN" altLang="en-US" dirty="0"/>
               <a:t>二级</a:t>
             </a:r>
-            <a:endParaRPr kumimoji="1" lang="zh-CN" altLang="en-US" dirty="0"/>
           </a:p>
           <a:p>
             <a:pPr lvl="2"/>
@@ -9387,7 +9363,6 @@
               <a:rPr kumimoji="1" lang="zh-CN" altLang="en-US" dirty="0"/>
               <a:t>三级</a:t>
             </a:r>
-            <a:endParaRPr kumimoji="1" lang="zh-CN" altLang="en-US" dirty="0"/>
           </a:p>
           <a:p>
             <a:pPr lvl="3"/>
@@ -9395,7 +9370,6 @@
               <a:rPr kumimoji="1" lang="zh-CN" altLang="en-US" dirty="0"/>
               <a:t>四级</a:t>
             </a:r>
-            <a:endParaRPr kumimoji="1" lang="zh-CN" altLang="en-US" dirty="0"/>
           </a:p>
           <a:p>
             <a:pPr lvl="4"/>
@@ -9403,7 +9377,6 @@
               <a:rPr kumimoji="1" lang="zh-CN" altLang="en-US" dirty="0"/>
               <a:t>五级</a:t>
             </a:r>
-            <a:endParaRPr kumimoji="1" lang="zh-CN" altLang="en-US" dirty="0"/>
           </a:p>
         </p:txBody>
       </p:sp>
@@ -9475,7 +9448,6 @@
               <a:rPr kumimoji="1" lang="zh-CN" altLang="en-US" dirty="0"/>
               <a:t>单击此处编辑母版文本样式</a:t>
             </a:r>
-            <a:endParaRPr kumimoji="1" lang="zh-CN" altLang="en-US" dirty="0"/>
           </a:p>
         </p:txBody>
       </p:sp>
@@ -9522,7 +9494,6 @@
               <a:rPr kumimoji="1" lang="zh-CN" altLang="en-US" dirty="0"/>
               <a:t>单击此处编辑母版文本样式</a:t>
             </a:r>
-            <a:endParaRPr kumimoji="1" lang="zh-CN" altLang="en-US" dirty="0"/>
           </a:p>
           <a:p>
             <a:pPr lvl="1"/>
@@ -9530,7 +9501,6 @@
               <a:rPr kumimoji="1" lang="zh-CN" altLang="en-US" dirty="0"/>
               <a:t>二级</a:t>
             </a:r>
-            <a:endParaRPr kumimoji="1" lang="zh-CN" altLang="en-US" dirty="0"/>
           </a:p>
           <a:p>
             <a:pPr lvl="2"/>
@@ -9538,7 +9508,6 @@
               <a:rPr kumimoji="1" lang="zh-CN" altLang="en-US" dirty="0"/>
               <a:t>三级</a:t>
             </a:r>
-            <a:endParaRPr kumimoji="1" lang="zh-CN" altLang="en-US" dirty="0"/>
           </a:p>
           <a:p>
             <a:pPr lvl="3"/>
@@ -9546,7 +9515,6 @@
               <a:rPr kumimoji="1" lang="zh-CN" altLang="en-US" dirty="0"/>
               <a:t>四级</a:t>
             </a:r>
-            <a:endParaRPr kumimoji="1" lang="zh-CN" altLang="en-US" dirty="0"/>
           </a:p>
           <a:p>
             <a:pPr lvl="4"/>
@@ -9554,7 +9522,6 @@
               <a:rPr kumimoji="1" lang="zh-CN" altLang="en-US" dirty="0"/>
               <a:t>五级</a:t>
             </a:r>
-            <a:endParaRPr kumimoji="1" lang="zh-CN" altLang="en-US" dirty="0"/>
           </a:p>
         </p:txBody>
       </p:sp>
@@ -9581,6 +9548,7 @@
                   </a:srgbClr>
                 </a:solidFill>
               </a:rPr>
+              <a:t>2021-5-24</a:t>
             </a:fld>
             <a:endParaRPr kumimoji="1" lang="zh-CN" altLang="en-US">
               <a:solidFill>
@@ -9640,6 +9608,7 @@
                   </a:srgbClr>
                 </a:solidFill>
               </a:rPr>
+              <a:t>‹#›</a:t>
             </a:fld>
             <a:endParaRPr kumimoji="1" lang="zh-CN" altLang="en-US">
               <a:solidFill>
@@ -9927,7 +9896,6 @@
               <a:rPr kumimoji="1" lang="zh-CN" altLang="en-US" dirty="0"/>
               <a:t>编辑母版标题样式</a:t>
             </a:r>
-            <a:endParaRPr kumimoji="1" lang="zh-CN" altLang="en-US" dirty="0"/>
           </a:p>
         </p:txBody>
       </p:sp>
@@ -9974,7 +9942,6 @@
               <a:rPr kumimoji="1" lang="zh-CN" altLang="en-US" dirty="0"/>
               <a:t>单击此处编辑母版文本样式</a:t>
             </a:r>
-            <a:endParaRPr kumimoji="1" lang="zh-CN" altLang="en-US" dirty="0"/>
           </a:p>
           <a:p>
             <a:pPr lvl="1"/>
@@ -9982,7 +9949,6 @@
               <a:rPr kumimoji="1" lang="zh-CN" altLang="en-US" dirty="0"/>
               <a:t>二级</a:t>
             </a:r>
-            <a:endParaRPr kumimoji="1" lang="zh-CN" altLang="en-US" dirty="0"/>
           </a:p>
           <a:p>
             <a:pPr lvl="2"/>
@@ -9990,7 +9956,6 @@
               <a:rPr kumimoji="1" lang="zh-CN" altLang="en-US" dirty="0"/>
               <a:t>三级</a:t>
             </a:r>
-            <a:endParaRPr kumimoji="1" lang="zh-CN" altLang="en-US" dirty="0"/>
           </a:p>
           <a:p>
             <a:pPr lvl="3"/>
@@ -9998,7 +9963,6 @@
               <a:rPr kumimoji="1" lang="zh-CN" altLang="en-US" dirty="0"/>
               <a:t>四级</a:t>
             </a:r>
-            <a:endParaRPr kumimoji="1" lang="zh-CN" altLang="en-US" dirty="0"/>
           </a:p>
           <a:p>
             <a:pPr lvl="4"/>
@@ -10006,7 +9970,6 @@
               <a:rPr kumimoji="1" lang="zh-CN" altLang="en-US" dirty="0"/>
               <a:t>五级</a:t>
             </a:r>
-            <a:endParaRPr kumimoji="1" lang="zh-CN" altLang="en-US" dirty="0"/>
           </a:p>
         </p:txBody>
       </p:sp>
@@ -10074,7 +10037,6 @@
               <a:rPr kumimoji="1" lang="zh-CN" altLang="en-US" dirty="0"/>
               <a:t>单击此处编辑母版文本样式</a:t>
             </a:r>
-            <a:endParaRPr kumimoji="1" lang="zh-CN" altLang="en-US" dirty="0"/>
           </a:p>
         </p:txBody>
       </p:sp>
@@ -10101,6 +10063,7 @@
                   </a:srgbClr>
                 </a:solidFill>
               </a:rPr>
+              <a:t>2021-5-24</a:t>
             </a:fld>
             <a:endParaRPr kumimoji="1" lang="zh-CN" altLang="en-US">
               <a:solidFill>
@@ -10160,6 +10123,7 @@
                   </a:srgbClr>
                 </a:solidFill>
               </a:rPr>
+              <a:t>‹#›</a:t>
             </a:fld>
             <a:endParaRPr kumimoji="1" lang="zh-CN" altLang="en-US">
               <a:solidFill>
@@ -10305,6 +10269,7 @@
                   </a:srgbClr>
                 </a:solidFill>
               </a:rPr>
+              <a:t>2021-5-24</a:t>
             </a:fld>
             <a:endParaRPr kumimoji="1" lang="zh-CN" altLang="en-US">
               <a:solidFill>
@@ -10364,6 +10329,7 @@
                   </a:srgbClr>
                 </a:solidFill>
               </a:rPr>
+              <a:t>‹#›</a:t>
             </a:fld>
             <a:endParaRPr kumimoji="1" lang="zh-CN" altLang="en-US">
               <a:solidFill>
@@ -12110,6 +12076,7 @@
                   </a:srgbClr>
                 </a:solidFill>
               </a:rPr>
+              <a:t>2021-5-24</a:t>
             </a:fld>
             <a:endParaRPr kumimoji="1" lang="zh-CN" altLang="en-US" dirty="0">
               <a:solidFill>
@@ -12169,6 +12136,7 @@
                   </a:srgbClr>
                 </a:solidFill>
               </a:rPr>
+              <a:t>‹#›</a:t>
             </a:fld>
             <a:endParaRPr kumimoji="1" lang="zh-CN" altLang="en-US" dirty="0">
               <a:solidFill>
@@ -12257,6 +12225,7 @@
                   </a:srgbClr>
                 </a:solidFill>
               </a:rPr>
+              <a:t>2021-5-24</a:t>
             </a:fld>
             <a:endParaRPr kumimoji="1" lang="zh-CN" altLang="en-US">
               <a:solidFill>
@@ -12326,6 +12295,7 @@
                   </a:srgbClr>
                 </a:solidFill>
               </a:rPr>
+              <a:t>‹#›</a:t>
             </a:fld>
             <a:endParaRPr kumimoji="1" lang="zh-CN" altLang="en-US">
               <a:solidFill>
@@ -12443,7 +12413,6 @@
               <a:rPr kumimoji="1" lang="zh-CN" altLang="en-US" dirty="0"/>
               <a:t>单击此处编辑母版标题样式</a:t>
             </a:r>
-            <a:endParaRPr kumimoji="1" lang="zh-CN" altLang="en-US" dirty="0"/>
           </a:p>
         </p:txBody>
       </p:sp>
@@ -12525,7 +12494,6 @@
               <a:rPr kumimoji="1" lang="zh-CN" altLang="en-US" dirty="0"/>
               <a:t>单击此处编辑母版副标题样式</a:t>
             </a:r>
-            <a:endParaRPr kumimoji="1" lang="zh-CN" altLang="en-US" dirty="0"/>
           </a:p>
         </p:txBody>
       </p:sp>
@@ -12735,6 +12703,7 @@
                   </a:srgbClr>
                 </a:solidFill>
               </a:rPr>
+              <a:t>2021-5-24</a:t>
             </a:fld>
             <a:endParaRPr kumimoji="1" lang="zh-CN" altLang="en-US">
               <a:solidFill>
@@ -12794,6 +12763,7 @@
                   </a:srgbClr>
                 </a:solidFill>
               </a:rPr>
+              <a:t>‹#›</a:t>
             </a:fld>
             <a:endParaRPr kumimoji="1" lang="zh-CN" altLang="en-US">
               <a:solidFill>
@@ -13321,7 +13291,6 @@
               <a:rPr kumimoji="1" lang="zh-CN" altLang="en-US" dirty="0"/>
               <a:t>输入目录</a:t>
             </a:r>
-            <a:endParaRPr kumimoji="1" lang="zh-CN" altLang="en-US" dirty="0"/>
           </a:p>
         </p:txBody>
       </p:sp>
@@ -13399,7 +13368,6 @@
               <a:rPr kumimoji="1" lang="zh-CN" altLang="en-US" dirty="0"/>
               <a:t>输入替换标题</a:t>
             </a:r>
-            <a:endParaRPr kumimoji="1" lang="zh-CN" altLang="en-US" dirty="0"/>
           </a:p>
         </p:txBody>
       </p:sp>
@@ -13477,7 +13445,6 @@
               <a:rPr kumimoji="1" lang="zh-CN" altLang="en-US" dirty="0"/>
               <a:t>输入替换标题</a:t>
             </a:r>
-            <a:endParaRPr kumimoji="1" lang="zh-CN" altLang="en-US" dirty="0"/>
           </a:p>
         </p:txBody>
       </p:sp>
@@ -13555,7 +13522,6 @@
               <a:rPr kumimoji="1" lang="zh-CN" altLang="en-US" dirty="0"/>
               <a:t>输入替换标题</a:t>
             </a:r>
-            <a:endParaRPr kumimoji="1" lang="zh-CN" altLang="en-US" dirty="0"/>
           </a:p>
         </p:txBody>
       </p:sp>
@@ -13633,7 +13599,6 @@
               <a:rPr kumimoji="1" lang="zh-CN" altLang="en-US" dirty="0"/>
               <a:t>输入替换标题</a:t>
             </a:r>
-            <a:endParaRPr kumimoji="1" lang="zh-CN" altLang="en-US" dirty="0"/>
           </a:p>
         </p:txBody>
       </p:sp>
@@ -13776,6 +13741,7 @@
                   </a:srgbClr>
                 </a:solidFill>
               </a:rPr>
+              <a:t>2021-5-24</a:t>
             </a:fld>
             <a:endParaRPr kumimoji="1" lang="zh-CN" altLang="en-US">
               <a:solidFill>
@@ -13835,6 +13801,7 @@
                   </a:srgbClr>
                 </a:solidFill>
               </a:rPr>
+              <a:t>‹#›</a:t>
             </a:fld>
             <a:endParaRPr kumimoji="1" lang="zh-CN" altLang="en-US">
               <a:solidFill>
@@ -13926,7 +13893,6 @@
               <a:rPr kumimoji="1" lang="zh-CN" altLang="en-US" dirty="0"/>
               <a:t>输入替换文字</a:t>
             </a:r>
-            <a:endParaRPr kumimoji="1" lang="zh-CN" altLang="en-US" dirty="0"/>
           </a:p>
         </p:txBody>
       </p:sp>
@@ -14001,7 +13967,6 @@
               <a:rPr kumimoji="1" lang="zh-CN" altLang="en-US" dirty="0"/>
               <a:t>单击编辑标题</a:t>
             </a:r>
-            <a:endParaRPr kumimoji="1" lang="zh-CN" altLang="en-US" dirty="0"/>
           </a:p>
         </p:txBody>
       </p:sp>
@@ -14180,7 +14145,6 @@
               <a:rPr kumimoji="1" lang="zh-CN" altLang="en-US" dirty="0"/>
               <a:t>单击编辑章节标题</a:t>
             </a:r>
-            <a:endParaRPr kumimoji="1" lang="zh-CN" altLang="en-US" dirty="0"/>
           </a:p>
         </p:txBody>
       </p:sp>
@@ -14207,6 +14171,7 @@
                   </a:srgbClr>
                 </a:solidFill>
               </a:rPr>
+              <a:t>2021-5-24</a:t>
             </a:fld>
             <a:endParaRPr kumimoji="1" lang="zh-CN" altLang="en-US">
               <a:solidFill>
@@ -14266,6 +14231,7 @@
                   </a:srgbClr>
                 </a:solidFill>
               </a:rPr>
+              <a:t>‹#›</a:t>
             </a:fld>
             <a:endParaRPr kumimoji="1" lang="zh-CN" altLang="en-US">
               <a:solidFill>
@@ -14458,7 +14424,6 @@
               <a:rPr kumimoji="1" lang="zh-CN" altLang="en-US" dirty="0"/>
               <a:t>单击此处编辑母版文本</a:t>
             </a:r>
-            <a:endParaRPr kumimoji="1" lang="zh-CN" altLang="en-US" dirty="0"/>
           </a:p>
         </p:txBody>
       </p:sp>
@@ -14533,7 +14498,6 @@
               <a:rPr kumimoji="1" lang="zh-CN" altLang="en-US" dirty="0"/>
               <a:t>单击此处编辑母版文本</a:t>
             </a:r>
-            <a:endParaRPr kumimoji="1" lang="zh-CN" altLang="en-US" dirty="0"/>
           </a:p>
         </p:txBody>
       </p:sp>
@@ -14608,7 +14572,6 @@
               <a:rPr kumimoji="1" lang="zh-CN" altLang="en-US" dirty="0"/>
               <a:t>单击此处编辑母版文本</a:t>
             </a:r>
-            <a:endParaRPr kumimoji="1" lang="zh-CN" altLang="en-US" dirty="0"/>
           </a:p>
         </p:txBody>
       </p:sp>
@@ -14683,7 +14646,6 @@
               <a:rPr kumimoji="1" lang="zh-CN" altLang="en-US" dirty="0"/>
               <a:t>单击此处编辑母版文本</a:t>
             </a:r>
-            <a:endParaRPr kumimoji="1" lang="zh-CN" altLang="en-US" dirty="0"/>
           </a:p>
         </p:txBody>
       </p:sp>
@@ -14736,7 +14698,6 @@
               <a:rPr kumimoji="1" lang="zh-CN" altLang="en-US" dirty="0"/>
               <a:t>单击此处编辑母版标题样式</a:t>
             </a:r>
-            <a:endParaRPr kumimoji="1" lang="zh-CN" altLang="en-US" dirty="0"/>
           </a:p>
         </p:txBody>
       </p:sp>
@@ -14763,6 +14724,7 @@
                   </a:srgbClr>
                 </a:solidFill>
               </a:rPr>
+              <a:t>2021-5-24</a:t>
             </a:fld>
             <a:endParaRPr kumimoji="1" lang="zh-CN" altLang="en-US">
               <a:solidFill>
@@ -14822,6 +14784,7 @@
                   </a:srgbClr>
                 </a:solidFill>
               </a:rPr>
+              <a:t>‹#›</a:t>
             </a:fld>
             <a:endParaRPr kumimoji="1" lang="zh-CN" altLang="en-US" dirty="0">
               <a:solidFill>
@@ -15267,6 +15230,7 @@
                   </a:srgbClr>
                 </a:solidFill>
               </a:rPr>
+              <a:t>2021-5-24</a:t>
             </a:fld>
             <a:endParaRPr kumimoji="1" lang="zh-CN" altLang="en-US">
               <a:solidFill>
@@ -15326,6 +15290,7 @@
                   </a:srgbClr>
                 </a:solidFill>
               </a:rPr>
+              <a:t>‹#›</a:t>
             </a:fld>
             <a:endParaRPr kumimoji="1" lang="zh-CN" altLang="en-US">
               <a:solidFill>
@@ -15479,7 +15444,6 @@
               <a:rPr kumimoji="1" lang="zh-CN" altLang="en-US" dirty="0"/>
               <a:t>输入替换文字</a:t>
             </a:r>
-            <a:endParaRPr kumimoji="1" lang="zh-CN" altLang="en-US" dirty="0"/>
           </a:p>
         </p:txBody>
       </p:sp>
@@ -15554,7 +15518,6 @@
               <a:rPr kumimoji="1" lang="zh-CN" altLang="en-US" dirty="0"/>
               <a:t>单击编辑标题</a:t>
             </a:r>
-            <a:endParaRPr kumimoji="1" lang="zh-CN" altLang="en-US" dirty="0"/>
           </a:p>
         </p:txBody>
       </p:sp>
@@ -15638,7 +15601,6 @@
               <a:rPr kumimoji="1" lang="zh-CN" altLang="en-US" dirty="0"/>
               <a:t>单击此处编辑母版文本样式</a:t>
             </a:r>
-            <a:endParaRPr kumimoji="1" lang="zh-CN" altLang="en-US" dirty="0"/>
           </a:p>
           <a:p>
             <a:pPr lvl="1"/>
@@ -15646,7 +15608,6 @@
               <a:rPr kumimoji="1" lang="zh-CN" altLang="en-US" dirty="0"/>
               <a:t>二级</a:t>
             </a:r>
-            <a:endParaRPr kumimoji="1" lang="zh-CN" altLang="en-US" dirty="0"/>
           </a:p>
           <a:p>
             <a:pPr lvl="2"/>
@@ -15654,7 +15615,6 @@
               <a:rPr kumimoji="1" lang="zh-CN" altLang="en-US" dirty="0"/>
               <a:t>三级</a:t>
             </a:r>
-            <a:endParaRPr kumimoji="1" lang="zh-CN" altLang="en-US" dirty="0"/>
           </a:p>
           <a:p>
             <a:pPr lvl="3"/>
@@ -15662,7 +15622,6 @@
               <a:rPr kumimoji="1" lang="zh-CN" altLang="en-US" dirty="0"/>
               <a:t>四级</a:t>
             </a:r>
-            <a:endParaRPr kumimoji="1" lang="zh-CN" altLang="en-US" dirty="0"/>
           </a:p>
           <a:p>
             <a:pPr lvl="4"/>
@@ -15670,7 +15629,6 @@
               <a:rPr kumimoji="1" lang="zh-CN" altLang="en-US" dirty="0"/>
               <a:t>五级</a:t>
             </a:r>
-            <a:endParaRPr kumimoji="1" lang="zh-CN" altLang="en-US" dirty="0"/>
           </a:p>
         </p:txBody>
       </p:sp>
@@ -15698,7 +15656,6 @@
               <a:rPr kumimoji="1" lang="zh-CN" altLang="en-US" dirty="0"/>
               <a:t>单击此处编辑母版标题样式</a:t>
             </a:r>
-            <a:endParaRPr kumimoji="1" lang="zh-CN" altLang="en-US" dirty="0"/>
           </a:p>
         </p:txBody>
       </p:sp>
@@ -15725,6 +15682,7 @@
                   </a:srgbClr>
                 </a:solidFill>
               </a:rPr>
+              <a:t>2021-5-24</a:t>
             </a:fld>
             <a:endParaRPr kumimoji="1" lang="zh-CN" altLang="en-US">
               <a:solidFill>
@@ -15784,6 +15742,7 @@
                   </a:srgbClr>
                 </a:solidFill>
               </a:rPr>
+              <a:t>‹#›</a:t>
             </a:fld>
             <a:endParaRPr kumimoji="1" lang="zh-CN" altLang="en-US" dirty="0">
               <a:solidFill>
@@ -16176,7 +16135,6 @@
               <a:rPr kumimoji="1" lang="zh-CN" altLang="en-US" dirty="0"/>
               <a:t>单击此处编辑母版标题样式</a:t>
             </a:r>
-            <a:endParaRPr kumimoji="1" lang="zh-CN" altLang="en-US" dirty="0"/>
           </a:p>
         </p:txBody>
       </p:sp>
@@ -16290,6 +16248,7 @@
                   </a:srgbClr>
                 </a:solidFill>
               </a:rPr>
+              <a:t>2021-5-24</a:t>
             </a:fld>
             <a:endParaRPr kumimoji="1" lang="zh-CN" altLang="en-US">
               <a:solidFill>
@@ -16349,6 +16308,7 @@
                   </a:srgbClr>
                 </a:solidFill>
               </a:rPr>
+              <a:t>‹#›</a:t>
             </a:fld>
             <a:endParaRPr kumimoji="1" lang="zh-CN" altLang="en-US">
               <a:solidFill>
@@ -16409,7 +16369,6 @@
               <a:rPr kumimoji="1" lang="zh-CN" altLang="en-US" dirty="0"/>
               <a:t>单击此处编辑母版标题样式</a:t>
             </a:r>
-            <a:endParaRPr kumimoji="1" lang="zh-CN" altLang="en-US" dirty="0"/>
           </a:p>
         </p:txBody>
       </p:sp>
@@ -16481,7 +16440,6 @@
               <a:rPr kumimoji="1" lang="zh-CN" altLang="en-US" dirty="0"/>
               <a:t>单击此处编辑母版文本样式</a:t>
             </a:r>
-            <a:endParaRPr kumimoji="1" lang="zh-CN" altLang="en-US" dirty="0"/>
           </a:p>
         </p:txBody>
       </p:sp>
@@ -16528,7 +16486,6 @@
               <a:rPr kumimoji="1" lang="zh-CN" altLang="en-US" dirty="0"/>
               <a:t>单击此处编辑母版文本样式</a:t>
             </a:r>
-            <a:endParaRPr kumimoji="1" lang="zh-CN" altLang="en-US" dirty="0"/>
           </a:p>
           <a:p>
             <a:pPr lvl="1"/>
@@ -16536,7 +16493,6 @@
               <a:rPr kumimoji="1" lang="zh-CN" altLang="en-US" dirty="0"/>
               <a:t>二级</a:t>
             </a:r>
-            <a:endParaRPr kumimoji="1" lang="zh-CN" altLang="en-US" dirty="0"/>
           </a:p>
           <a:p>
             <a:pPr lvl="2"/>
@@ -16544,7 +16500,6 @@
               <a:rPr kumimoji="1" lang="zh-CN" altLang="en-US" dirty="0"/>
               <a:t>三级</a:t>
             </a:r>
-            <a:endParaRPr kumimoji="1" lang="zh-CN" altLang="en-US" dirty="0"/>
           </a:p>
           <a:p>
             <a:pPr lvl="3"/>
@@ -16552,7 +16507,6 @@
               <a:rPr kumimoji="1" lang="zh-CN" altLang="en-US" dirty="0"/>
               <a:t>四级</a:t>
             </a:r>
-            <a:endParaRPr kumimoji="1" lang="zh-CN" altLang="en-US" dirty="0"/>
           </a:p>
           <a:p>
             <a:pPr lvl="4"/>
@@ -16560,7 +16514,6 @@
               <a:rPr kumimoji="1" lang="zh-CN" altLang="en-US" dirty="0"/>
               <a:t>五级</a:t>
             </a:r>
-            <a:endParaRPr kumimoji="1" lang="zh-CN" altLang="en-US" dirty="0"/>
           </a:p>
         </p:txBody>
       </p:sp>
@@ -16632,7 +16585,6 @@
               <a:rPr kumimoji="1" lang="zh-CN" altLang="en-US" dirty="0"/>
               <a:t>单击此处编辑母版文本样式</a:t>
             </a:r>
-            <a:endParaRPr kumimoji="1" lang="zh-CN" altLang="en-US" dirty="0"/>
           </a:p>
         </p:txBody>
       </p:sp>
@@ -16679,7 +16631,6 @@
               <a:rPr kumimoji="1" lang="zh-CN" altLang="en-US" dirty="0"/>
               <a:t>单击此处编辑母版文本样式</a:t>
             </a:r>
-            <a:endParaRPr kumimoji="1" lang="zh-CN" altLang="en-US" dirty="0"/>
           </a:p>
           <a:p>
             <a:pPr lvl="1"/>
@@ -16687,7 +16638,6 @@
               <a:rPr kumimoji="1" lang="zh-CN" altLang="en-US" dirty="0"/>
               <a:t>二级</a:t>
             </a:r>
-            <a:endParaRPr kumimoji="1" lang="zh-CN" altLang="en-US" dirty="0"/>
           </a:p>
           <a:p>
             <a:pPr lvl="2"/>
@@ -16695,7 +16645,6 @@
               <a:rPr kumimoji="1" lang="zh-CN" altLang="en-US" dirty="0"/>
               <a:t>三级</a:t>
             </a:r>
-            <a:endParaRPr kumimoji="1" lang="zh-CN" altLang="en-US" dirty="0"/>
           </a:p>
           <a:p>
             <a:pPr lvl="3"/>
@@ -16703,7 +16652,6 @@
               <a:rPr kumimoji="1" lang="zh-CN" altLang="en-US" dirty="0"/>
               <a:t>四级</a:t>
             </a:r>
-            <a:endParaRPr kumimoji="1" lang="zh-CN" altLang="en-US" dirty="0"/>
           </a:p>
           <a:p>
             <a:pPr lvl="4"/>
@@ -16711,7 +16659,6 @@
               <a:rPr kumimoji="1" lang="zh-CN" altLang="en-US" dirty="0"/>
               <a:t>五级</a:t>
             </a:r>
-            <a:endParaRPr kumimoji="1" lang="zh-CN" altLang="en-US" dirty="0"/>
           </a:p>
         </p:txBody>
       </p:sp>
@@ -16738,6 +16685,7 @@
                   </a:srgbClr>
                 </a:solidFill>
               </a:rPr>
+              <a:t>2021-5-24</a:t>
             </a:fld>
             <a:endParaRPr kumimoji="1" lang="zh-CN" altLang="en-US">
               <a:solidFill>
@@ -16797,6 +16745,7 @@
                   </a:srgbClr>
                 </a:solidFill>
               </a:rPr>
+              <a:t>‹#›</a:t>
             </a:fld>
             <a:endParaRPr kumimoji="1" lang="zh-CN" altLang="en-US">
               <a:solidFill>
@@ -17084,7 +17033,6 @@
               <a:rPr kumimoji="1" lang="zh-CN" altLang="en-US" dirty="0"/>
               <a:t>编辑母版标题样式</a:t>
             </a:r>
-            <a:endParaRPr kumimoji="1" lang="zh-CN" altLang="en-US" dirty="0"/>
           </a:p>
         </p:txBody>
       </p:sp>
@@ -17131,7 +17079,6 @@
               <a:rPr kumimoji="1" lang="zh-CN" altLang="en-US" dirty="0"/>
               <a:t>单击此处编辑母版文本样式</a:t>
             </a:r>
-            <a:endParaRPr kumimoji="1" lang="zh-CN" altLang="en-US" dirty="0"/>
           </a:p>
           <a:p>
             <a:pPr lvl="1"/>
@@ -17139,7 +17086,6 @@
               <a:rPr kumimoji="1" lang="zh-CN" altLang="en-US" dirty="0"/>
               <a:t>二级</a:t>
             </a:r>
-            <a:endParaRPr kumimoji="1" lang="zh-CN" altLang="en-US" dirty="0"/>
           </a:p>
           <a:p>
             <a:pPr lvl="2"/>
@@ -17147,7 +17093,6 @@
               <a:rPr kumimoji="1" lang="zh-CN" altLang="en-US" dirty="0"/>
               <a:t>三级</a:t>
             </a:r>
-            <a:endParaRPr kumimoji="1" lang="zh-CN" altLang="en-US" dirty="0"/>
           </a:p>
           <a:p>
             <a:pPr lvl="3"/>
@@ -17155,7 +17100,6 @@
               <a:rPr kumimoji="1" lang="zh-CN" altLang="en-US" dirty="0"/>
               <a:t>四级</a:t>
             </a:r>
-            <a:endParaRPr kumimoji="1" lang="zh-CN" altLang="en-US" dirty="0"/>
           </a:p>
           <a:p>
             <a:pPr lvl="4"/>
@@ -17163,7 +17107,6 @@
               <a:rPr kumimoji="1" lang="zh-CN" altLang="en-US" dirty="0"/>
               <a:t>五级</a:t>
             </a:r>
-            <a:endParaRPr kumimoji="1" lang="zh-CN" altLang="en-US" dirty="0"/>
           </a:p>
         </p:txBody>
       </p:sp>
@@ -17231,7 +17174,6 @@
               <a:rPr kumimoji="1" lang="zh-CN" altLang="en-US" dirty="0"/>
               <a:t>单击此处编辑母版文本样式</a:t>
             </a:r>
-            <a:endParaRPr kumimoji="1" lang="zh-CN" altLang="en-US" dirty="0"/>
           </a:p>
         </p:txBody>
       </p:sp>
@@ -17258,6 +17200,7 @@
                   </a:srgbClr>
                 </a:solidFill>
               </a:rPr>
+              <a:t>2021-5-24</a:t>
             </a:fld>
             <a:endParaRPr kumimoji="1" lang="zh-CN" altLang="en-US">
               <a:solidFill>
@@ -17317,6 +17260,7 @@
                   </a:srgbClr>
                 </a:solidFill>
               </a:rPr>
+              <a:t>‹#›</a:t>
             </a:fld>
             <a:endParaRPr kumimoji="1" lang="zh-CN" altLang="en-US">
               <a:solidFill>
@@ -17462,6 +17406,7 @@
                   </a:srgbClr>
                 </a:solidFill>
               </a:rPr>
+              <a:t>2021-5-24</a:t>
             </a:fld>
             <a:endParaRPr kumimoji="1" lang="zh-CN" altLang="en-US">
               <a:solidFill>
@@ -17521,6 +17466,7 @@
                   </a:srgbClr>
                 </a:solidFill>
               </a:rPr>
+              <a:t>‹#›</a:t>
             </a:fld>
             <a:endParaRPr kumimoji="1" lang="zh-CN" altLang="en-US">
               <a:solidFill>
@@ -19267,6 +19213,7 @@
                   </a:srgbClr>
                 </a:solidFill>
               </a:rPr>
+              <a:t>2021-5-24</a:t>
             </a:fld>
             <a:endParaRPr kumimoji="1" lang="zh-CN" altLang="en-US" dirty="0">
               <a:solidFill>
@@ -19326,6 +19273,7 @@
                   </a:srgbClr>
                 </a:solidFill>
               </a:rPr>
+              <a:t>‹#›</a:t>
             </a:fld>
             <a:endParaRPr kumimoji="1" lang="zh-CN" altLang="en-US" dirty="0">
               <a:solidFill>
@@ -19396,7 +19344,6 @@
               <a:rPr kumimoji="1" lang="zh-CN" altLang="en-US" dirty="0"/>
               <a:t>单击编辑章节标题</a:t>
             </a:r>
-            <a:endParaRPr kumimoji="1" lang="zh-CN" altLang="en-US" dirty="0"/>
           </a:p>
         </p:txBody>
       </p:sp>
@@ -19423,6 +19370,7 @@
                   </a:srgbClr>
                 </a:solidFill>
               </a:rPr>
+              <a:t>2021-5-24</a:t>
             </a:fld>
             <a:endParaRPr kumimoji="1" lang="zh-CN" altLang="en-US">
               <a:solidFill>
@@ -19482,6 +19430,7 @@
                   </a:srgbClr>
                 </a:solidFill>
               </a:rPr>
+              <a:t>‹#›</a:t>
             </a:fld>
             <a:endParaRPr kumimoji="1" lang="zh-CN" altLang="en-US">
               <a:solidFill>
@@ -19674,7 +19623,6 @@
               <a:rPr kumimoji="1" lang="zh-CN" altLang="en-US" dirty="0"/>
               <a:t>单击此处编辑母版文本</a:t>
             </a:r>
-            <a:endParaRPr kumimoji="1" lang="zh-CN" altLang="en-US" dirty="0"/>
           </a:p>
         </p:txBody>
       </p:sp>
@@ -19749,7 +19697,6 @@
               <a:rPr kumimoji="1" lang="zh-CN" altLang="en-US" dirty="0"/>
               <a:t>单击此处编辑母版文本</a:t>
             </a:r>
-            <a:endParaRPr kumimoji="1" lang="zh-CN" altLang="en-US" dirty="0"/>
           </a:p>
         </p:txBody>
       </p:sp>
@@ -19824,7 +19771,6 @@
               <a:rPr kumimoji="1" lang="zh-CN" altLang="en-US" dirty="0"/>
               <a:t>单击此处编辑母版文本</a:t>
             </a:r>
-            <a:endParaRPr kumimoji="1" lang="zh-CN" altLang="en-US" dirty="0"/>
           </a:p>
         </p:txBody>
       </p:sp>
@@ -19899,7 +19845,6 @@
               <a:rPr kumimoji="1" lang="zh-CN" altLang="en-US" dirty="0"/>
               <a:t>单击此处编辑母版文本</a:t>
             </a:r>
-            <a:endParaRPr kumimoji="1" lang="zh-CN" altLang="en-US" dirty="0"/>
           </a:p>
         </p:txBody>
       </p:sp>
@@ -19952,7 +19897,6 @@
               <a:rPr kumimoji="1" lang="zh-CN" altLang="en-US" dirty="0"/>
               <a:t>单击此处编辑母版标题样式</a:t>
             </a:r>
-            <a:endParaRPr kumimoji="1" lang="zh-CN" altLang="en-US" dirty="0"/>
           </a:p>
         </p:txBody>
       </p:sp>
@@ -19979,6 +19923,7 @@
                   </a:srgbClr>
                 </a:solidFill>
               </a:rPr>
+              <a:t>2021-5-24</a:t>
             </a:fld>
             <a:endParaRPr kumimoji="1" lang="zh-CN" altLang="en-US">
               <a:solidFill>
@@ -20038,6 +19983,7 @@
                   </a:srgbClr>
                 </a:solidFill>
               </a:rPr>
+              <a:t>‹#›</a:t>
             </a:fld>
             <a:endParaRPr kumimoji="1" lang="zh-CN" altLang="en-US" dirty="0">
               <a:solidFill>
@@ -20411,7 +20357,6 @@
               <a:rPr kumimoji="1" lang="zh-CN" altLang="en-US" dirty="0"/>
               <a:t>单击此处编辑母版文本样式</a:t>
             </a:r>
-            <a:endParaRPr kumimoji="1" lang="zh-CN" altLang="en-US" dirty="0"/>
           </a:p>
           <a:p>
             <a:pPr lvl="1"/>
@@ -20419,7 +20364,6 @@
               <a:rPr kumimoji="1" lang="zh-CN" altLang="en-US" dirty="0"/>
               <a:t>二级</a:t>
             </a:r>
-            <a:endParaRPr kumimoji="1" lang="zh-CN" altLang="en-US" dirty="0"/>
           </a:p>
           <a:p>
             <a:pPr lvl="2"/>
@@ -20427,7 +20371,6 @@
               <a:rPr kumimoji="1" lang="zh-CN" altLang="en-US" dirty="0"/>
               <a:t>三级</a:t>
             </a:r>
-            <a:endParaRPr kumimoji="1" lang="zh-CN" altLang="en-US" dirty="0"/>
           </a:p>
           <a:p>
             <a:pPr lvl="3"/>
@@ -20435,7 +20378,6 @@
               <a:rPr kumimoji="1" lang="zh-CN" altLang="en-US" dirty="0"/>
               <a:t>四级</a:t>
             </a:r>
-            <a:endParaRPr kumimoji="1" lang="zh-CN" altLang="en-US" dirty="0"/>
           </a:p>
           <a:p>
             <a:pPr lvl="4"/>
@@ -20443,7 +20385,6 @@
               <a:rPr kumimoji="1" lang="zh-CN" altLang="en-US" dirty="0"/>
               <a:t>五级</a:t>
             </a:r>
-            <a:endParaRPr kumimoji="1" lang="zh-CN" altLang="en-US" dirty="0"/>
           </a:p>
         </p:txBody>
       </p:sp>
@@ -20471,7 +20412,6 @@
               <a:rPr kumimoji="1" lang="zh-CN" altLang="en-US" dirty="0"/>
               <a:t>单击此处编辑母版标题样式</a:t>
             </a:r>
-            <a:endParaRPr kumimoji="1" lang="zh-CN" altLang="en-US" dirty="0"/>
           </a:p>
         </p:txBody>
       </p:sp>
@@ -20498,6 +20438,7 @@
                   </a:srgbClr>
                 </a:solidFill>
               </a:rPr>
+              <a:t>2021-5-24</a:t>
             </a:fld>
             <a:endParaRPr kumimoji="1" lang="zh-CN" altLang="en-US">
               <a:solidFill>
@@ -20557,6 +20498,7 @@
                   </a:srgbClr>
                 </a:solidFill>
               </a:rPr>
+              <a:t>‹#›</a:t>
             </a:fld>
             <a:endParaRPr kumimoji="1" lang="zh-CN" altLang="en-US" dirty="0">
               <a:solidFill>
@@ -20949,7 +20891,6 @@
               <a:rPr kumimoji="1" lang="zh-CN" altLang="en-US" dirty="0"/>
               <a:t>单击此处编辑母版标题样式</a:t>
             </a:r>
-            <a:endParaRPr kumimoji="1" lang="zh-CN" altLang="en-US" dirty="0"/>
           </a:p>
         </p:txBody>
       </p:sp>
@@ -21063,6 +21004,7 @@
                   </a:srgbClr>
                 </a:solidFill>
               </a:rPr>
+              <a:t>2021-5-24</a:t>
             </a:fld>
             <a:endParaRPr kumimoji="1" lang="zh-CN" altLang="en-US">
               <a:solidFill>
@@ -21122,6 +21064,7 @@
                   </a:srgbClr>
                 </a:solidFill>
               </a:rPr>
+              <a:t>‹#›</a:t>
             </a:fld>
             <a:endParaRPr kumimoji="1" lang="zh-CN" altLang="en-US">
               <a:solidFill>
@@ -21182,7 +21125,6 @@
               <a:rPr kumimoji="1" lang="zh-CN" altLang="en-US" dirty="0"/>
               <a:t>单击此处编辑母版标题样式</a:t>
             </a:r>
-            <a:endParaRPr kumimoji="1" lang="zh-CN" altLang="en-US" dirty="0"/>
           </a:p>
         </p:txBody>
       </p:sp>
@@ -21254,7 +21196,6 @@
               <a:rPr kumimoji="1" lang="zh-CN" altLang="en-US" dirty="0"/>
               <a:t>单击此处编辑母版文本样式</a:t>
             </a:r>
-            <a:endParaRPr kumimoji="1" lang="zh-CN" altLang="en-US" dirty="0"/>
           </a:p>
         </p:txBody>
       </p:sp>
@@ -21301,7 +21242,6 @@
               <a:rPr kumimoji="1" lang="zh-CN" altLang="en-US" dirty="0"/>
               <a:t>单击此处编辑母版文本样式</a:t>
             </a:r>
-            <a:endParaRPr kumimoji="1" lang="zh-CN" altLang="en-US" dirty="0"/>
           </a:p>
           <a:p>
             <a:pPr lvl="1"/>
@@ -21309,7 +21249,6 @@
               <a:rPr kumimoji="1" lang="zh-CN" altLang="en-US" dirty="0"/>
               <a:t>二级</a:t>
             </a:r>
-            <a:endParaRPr kumimoji="1" lang="zh-CN" altLang="en-US" dirty="0"/>
           </a:p>
           <a:p>
             <a:pPr lvl="2"/>
@@ -21317,7 +21256,6 @@
               <a:rPr kumimoji="1" lang="zh-CN" altLang="en-US" dirty="0"/>
               <a:t>三级</a:t>
             </a:r>
-            <a:endParaRPr kumimoji="1" lang="zh-CN" altLang="en-US" dirty="0"/>
           </a:p>
           <a:p>
             <a:pPr lvl="3"/>
@@ -21325,7 +21263,6 @@
               <a:rPr kumimoji="1" lang="zh-CN" altLang="en-US" dirty="0"/>
               <a:t>四级</a:t>
             </a:r>
-            <a:endParaRPr kumimoji="1" lang="zh-CN" altLang="en-US" dirty="0"/>
           </a:p>
           <a:p>
             <a:pPr lvl="4"/>
@@ -21333,7 +21270,6 @@
               <a:rPr kumimoji="1" lang="zh-CN" altLang="en-US" dirty="0"/>
               <a:t>五级</a:t>
             </a:r>
-            <a:endParaRPr kumimoji="1" lang="zh-CN" altLang="en-US" dirty="0"/>
           </a:p>
         </p:txBody>
       </p:sp>
@@ -21405,7 +21341,6 @@
               <a:rPr kumimoji="1" lang="zh-CN" altLang="en-US" dirty="0"/>
               <a:t>单击此处编辑母版文本样式</a:t>
             </a:r>
-            <a:endParaRPr kumimoji="1" lang="zh-CN" altLang="en-US" dirty="0"/>
           </a:p>
         </p:txBody>
       </p:sp>
@@ -21452,7 +21387,6 @@
               <a:rPr kumimoji="1" lang="zh-CN" altLang="en-US" dirty="0"/>
               <a:t>单击此处编辑母版文本样式</a:t>
             </a:r>
-            <a:endParaRPr kumimoji="1" lang="zh-CN" altLang="en-US" dirty="0"/>
           </a:p>
           <a:p>
             <a:pPr lvl="1"/>
@@ -21460,7 +21394,6 @@
               <a:rPr kumimoji="1" lang="zh-CN" altLang="en-US" dirty="0"/>
               <a:t>二级</a:t>
             </a:r>
-            <a:endParaRPr kumimoji="1" lang="zh-CN" altLang="en-US" dirty="0"/>
           </a:p>
           <a:p>
             <a:pPr lvl="2"/>
@@ -21468,7 +21401,6 @@
               <a:rPr kumimoji="1" lang="zh-CN" altLang="en-US" dirty="0"/>
               <a:t>三级</a:t>
             </a:r>
-            <a:endParaRPr kumimoji="1" lang="zh-CN" altLang="en-US" dirty="0"/>
           </a:p>
           <a:p>
             <a:pPr lvl="3"/>
@@ -21476,7 +21408,6 @@
               <a:rPr kumimoji="1" lang="zh-CN" altLang="en-US" dirty="0"/>
               <a:t>四级</a:t>
             </a:r>
-            <a:endParaRPr kumimoji="1" lang="zh-CN" altLang="en-US" dirty="0"/>
           </a:p>
           <a:p>
             <a:pPr lvl="4"/>
@@ -21484,7 +21415,6 @@
               <a:rPr kumimoji="1" lang="zh-CN" altLang="en-US" dirty="0"/>
               <a:t>五级</a:t>
             </a:r>
-            <a:endParaRPr kumimoji="1" lang="zh-CN" altLang="en-US" dirty="0"/>
           </a:p>
         </p:txBody>
       </p:sp>
@@ -21511,6 +21441,7 @@
                   </a:srgbClr>
                 </a:solidFill>
               </a:rPr>
+              <a:t>2021-5-24</a:t>
             </a:fld>
             <a:endParaRPr kumimoji="1" lang="zh-CN" altLang="en-US">
               <a:solidFill>
@@ -21570,6 +21501,7 @@
                   </a:srgbClr>
                 </a:solidFill>
               </a:rPr>
+              <a:t>‹#›</a:t>
             </a:fld>
             <a:endParaRPr kumimoji="1" lang="zh-CN" altLang="en-US">
               <a:solidFill>
@@ -21864,7 +21796,6 @@
               <a:rPr kumimoji="1" lang="zh-CN" altLang="en-US" dirty="0"/>
               <a:t>单击此处编辑母版标题样式</a:t>
             </a:r>
-            <a:endParaRPr kumimoji="1" lang="zh-CN" altLang="en-US" dirty="0"/>
           </a:p>
         </p:txBody>
       </p:sp>
@@ -21898,7 +21829,6 @@
               <a:rPr kumimoji="1" lang="zh-CN" altLang="en-US" dirty="0"/>
               <a:t>单击此处编辑母版文本样式</a:t>
             </a:r>
-            <a:endParaRPr kumimoji="1" lang="zh-CN" altLang="en-US" dirty="0"/>
           </a:p>
           <a:p>
             <a:pPr lvl="1"/>
@@ -21906,7 +21836,6 @@
               <a:rPr kumimoji="1" lang="zh-CN" altLang="en-US" dirty="0"/>
               <a:t>二级</a:t>
             </a:r>
-            <a:endParaRPr kumimoji="1" lang="zh-CN" altLang="en-US" dirty="0"/>
           </a:p>
           <a:p>
             <a:pPr lvl="2"/>
@@ -21914,7 +21843,6 @@
               <a:rPr kumimoji="1" lang="zh-CN" altLang="en-US" dirty="0"/>
               <a:t>三级</a:t>
             </a:r>
-            <a:endParaRPr kumimoji="1" lang="zh-CN" altLang="en-US" dirty="0"/>
           </a:p>
           <a:p>
             <a:pPr lvl="3"/>
@@ -21922,7 +21850,6 @@
               <a:rPr kumimoji="1" lang="zh-CN" altLang="en-US" dirty="0"/>
               <a:t>四级</a:t>
             </a:r>
-            <a:endParaRPr kumimoji="1" lang="zh-CN" altLang="en-US" dirty="0"/>
           </a:p>
           <a:p>
             <a:pPr lvl="4"/>
@@ -21930,7 +21857,6 @@
               <a:rPr kumimoji="1" lang="zh-CN" altLang="en-US" dirty="0"/>
               <a:t>五级</a:t>
             </a:r>
-            <a:endParaRPr kumimoji="1" lang="zh-CN" altLang="en-US" dirty="0"/>
           </a:p>
         </p:txBody>
       </p:sp>
@@ -21975,6 +21901,7 @@
                   </a:srgbClr>
                 </a:solidFill>
               </a:rPr>
+              <a:t>2021-5-24</a:t>
             </a:fld>
             <a:endParaRPr kumimoji="1" lang="zh-CN" altLang="en-US" dirty="0">
               <a:solidFill>
@@ -22070,6 +21997,7 @@
                   </a:srgbClr>
                 </a:solidFill>
               </a:rPr>
+              <a:t>‹#›</a:t>
             </a:fld>
             <a:endParaRPr kumimoji="1" lang="zh-CN" altLang="en-US" dirty="0">
               <a:solidFill>
@@ -22483,7 +22411,6 @@
               <a:rPr kumimoji="1" lang="zh-CN" altLang="en-US" dirty="0"/>
               <a:t>单击此处编辑母版标题样式</a:t>
             </a:r>
-            <a:endParaRPr kumimoji="1" lang="zh-CN" altLang="en-US" dirty="0"/>
           </a:p>
         </p:txBody>
       </p:sp>
@@ -22517,7 +22444,6 @@
               <a:rPr kumimoji="1" lang="zh-CN" altLang="en-US" dirty="0"/>
               <a:t>单击此处编辑母版文本样式</a:t>
             </a:r>
-            <a:endParaRPr kumimoji="1" lang="zh-CN" altLang="en-US" dirty="0"/>
           </a:p>
           <a:p>
             <a:pPr lvl="1"/>
@@ -22525,7 +22451,6 @@
               <a:rPr kumimoji="1" lang="zh-CN" altLang="en-US" dirty="0"/>
               <a:t>二级</a:t>
             </a:r>
-            <a:endParaRPr kumimoji="1" lang="zh-CN" altLang="en-US" dirty="0"/>
           </a:p>
           <a:p>
             <a:pPr lvl="2"/>
@@ -22533,7 +22458,6 @@
               <a:rPr kumimoji="1" lang="zh-CN" altLang="en-US" dirty="0"/>
               <a:t>三级</a:t>
             </a:r>
-            <a:endParaRPr kumimoji="1" lang="zh-CN" altLang="en-US" dirty="0"/>
           </a:p>
           <a:p>
             <a:pPr lvl="3"/>
@@ -22541,7 +22465,6 @@
               <a:rPr kumimoji="1" lang="zh-CN" altLang="en-US" dirty="0"/>
               <a:t>四级</a:t>
             </a:r>
-            <a:endParaRPr kumimoji="1" lang="zh-CN" altLang="en-US" dirty="0"/>
           </a:p>
           <a:p>
             <a:pPr lvl="4"/>
@@ -22549,7 +22472,6 @@
               <a:rPr kumimoji="1" lang="zh-CN" altLang="en-US" dirty="0"/>
               <a:t>五级</a:t>
             </a:r>
-            <a:endParaRPr kumimoji="1" lang="zh-CN" altLang="en-US" dirty="0"/>
           </a:p>
         </p:txBody>
       </p:sp>
@@ -22594,6 +22516,7 @@
                   </a:srgbClr>
                 </a:solidFill>
               </a:rPr>
+              <a:t>2021-5-24</a:t>
             </a:fld>
             <a:endParaRPr kumimoji="1" lang="zh-CN" altLang="en-US" dirty="0">
               <a:solidFill>
@@ -22689,6 +22612,7 @@
                   </a:srgbClr>
                 </a:solidFill>
               </a:rPr>
+              <a:t>‹#›</a:t>
             </a:fld>
             <a:endParaRPr kumimoji="1" lang="zh-CN" altLang="en-US" dirty="0">
               <a:solidFill>
@@ -23102,7 +23026,6 @@
               <a:rPr kumimoji="1" lang="zh-CN" altLang="en-US" dirty="0"/>
               <a:t>单击此处编辑母版标题样式</a:t>
             </a:r>
-            <a:endParaRPr kumimoji="1" lang="zh-CN" altLang="en-US" dirty="0"/>
           </a:p>
         </p:txBody>
       </p:sp>
@@ -23136,7 +23059,6 @@
               <a:rPr kumimoji="1" lang="zh-CN" altLang="en-US" dirty="0"/>
               <a:t>单击此处编辑母版文本样式</a:t>
             </a:r>
-            <a:endParaRPr kumimoji="1" lang="zh-CN" altLang="en-US" dirty="0"/>
           </a:p>
           <a:p>
             <a:pPr lvl="1"/>
@@ -23144,7 +23066,6 @@
               <a:rPr kumimoji="1" lang="zh-CN" altLang="en-US" dirty="0"/>
               <a:t>二级</a:t>
             </a:r>
-            <a:endParaRPr kumimoji="1" lang="zh-CN" altLang="en-US" dirty="0"/>
           </a:p>
           <a:p>
             <a:pPr lvl="2"/>
@@ -23152,7 +23073,6 @@
               <a:rPr kumimoji="1" lang="zh-CN" altLang="en-US" dirty="0"/>
               <a:t>三级</a:t>
             </a:r>
-            <a:endParaRPr kumimoji="1" lang="zh-CN" altLang="en-US" dirty="0"/>
           </a:p>
           <a:p>
             <a:pPr lvl="3"/>
@@ -23160,7 +23080,6 @@
               <a:rPr kumimoji="1" lang="zh-CN" altLang="en-US" dirty="0"/>
               <a:t>四级</a:t>
             </a:r>
-            <a:endParaRPr kumimoji="1" lang="zh-CN" altLang="en-US" dirty="0"/>
           </a:p>
           <a:p>
             <a:pPr lvl="4"/>
@@ -23168,7 +23087,6 @@
               <a:rPr kumimoji="1" lang="zh-CN" altLang="en-US" dirty="0"/>
               <a:t>五级</a:t>
             </a:r>
-            <a:endParaRPr kumimoji="1" lang="zh-CN" altLang="en-US" dirty="0"/>
           </a:p>
         </p:txBody>
       </p:sp>
@@ -23213,6 +23131,7 @@
                   </a:srgbClr>
                 </a:solidFill>
               </a:rPr>
+              <a:t>2021-5-24</a:t>
             </a:fld>
             <a:endParaRPr kumimoji="1" lang="zh-CN" altLang="en-US" dirty="0">
               <a:solidFill>
@@ -23308,6 +23227,7 @@
                   </a:srgbClr>
                 </a:solidFill>
               </a:rPr>
+              <a:t>‹#›</a:t>
             </a:fld>
             <a:endParaRPr kumimoji="1" lang="zh-CN" altLang="en-US" dirty="0">
               <a:solidFill>
@@ -23708,7 +23628,6 @@
               <a:rPr kumimoji="1" lang="en-US" altLang="zh-CN" dirty="0"/>
               <a:t>Web Component</a:t>
             </a:r>
-            <a:endParaRPr kumimoji="1" lang="en-US" altLang="zh-CN" dirty="0"/>
           </a:p>
         </p:txBody>
       </p:sp>
@@ -23724,13 +23643,13 @@
         </p:nvSpPr>
         <p:spPr>
           <a:xfrm>
-            <a:off x="1538290" y="3099286"/>
-            <a:ext cx="5688010" cy="443020"/>
+            <a:off x="2059990" y="3320796"/>
+            <a:ext cx="4057167" cy="443020"/>
           </a:xfrm>
         </p:spPr>
         <p:txBody>
           <a:bodyPr>
-            <a:normAutofit fontScale="90000"/>
+            <a:normAutofit fontScale="97500"/>
           </a:bodyPr>
           <a:lstStyle/>
           <a:p>
@@ -23738,7 +23657,6 @@
               <a:rPr lang="zh-CN" altLang="en-US" dirty="0"/>
               <a:t>分享人：王璨</a:t>
             </a:r>
-            <a:endParaRPr lang="zh-CN" altLang="en-US" dirty="0"/>
           </a:p>
         </p:txBody>
       </p:sp>
@@ -23762,7 +23680,14 @@
         <p:cNvGrpSpPr/>
         <p:nvPr/>
       </p:nvGrpSpPr>
-      <p:grpSpPr/>
+      <p:grpSpPr>
+        <a:xfrm>
+          <a:off x="0" y="0"/>
+          <a:ext cx="0" cy="0"/>
+          <a:chOff x="0" y="0"/>
+          <a:chExt cx="0" cy="0"/>
+        </a:xfrm>
+      </p:grpSpPr>
       <p:sp>
         <p:nvSpPr>
           <p:cNvPr id="2" name="标题 1"/>
@@ -23783,6 +23708,7 @@
           <a:bodyPr>
             <a:normAutofit fontScale="90000"/>
           </a:bodyPr>
+          <a:lstStyle/>
           <a:p>
             <a:r>
               <a:rPr lang="zh-CN" altLang="en-US"/>
@@ -23795,7 +23721,6 @@
               <a:rPr lang="zh-CN" altLang="en-US"/>
               <a:t>Shadow DOM 接口可以将一个隐藏的、独立的 DOM附加到一个元素上，并且允许将隐藏的 DOM 树附加到常规的 DOM 树中：以 shadow root 节点为起始根节点，在这个根节点的下方，可以是任意元素，和普通的 DOM 元素一样。MDN对其有一张详细的草图方便大家理解：</a:t>
             </a:r>
-            <a:endParaRPr lang="zh-CN" altLang="en-US"/>
           </a:p>
         </p:txBody>
       </p:sp>
@@ -23803,14 +23728,14 @@
         <p:nvPicPr>
           <p:cNvPr id="4" name="内容占位符 3"/>
           <p:cNvPicPr>
-            <a:picLocks noChangeAspect="1"/>
+            <a:picLocks noGrp="1" noChangeAspect="1"/>
           </p:cNvPicPr>
           <p:nvPr>
             <p:ph sz="quarter" idx="13"/>
           </p:nvPr>
         </p:nvPicPr>
         <p:blipFill>
-          <a:blip r:embed="rId1"/>
+          <a:blip r:embed="rId2"/>
           <a:stretch>
             <a:fillRect/>
           </a:stretch>
@@ -23842,7 +23767,14 @@
         <p:cNvGrpSpPr/>
         <p:nvPr/>
       </p:nvGrpSpPr>
-      <p:grpSpPr/>
+      <p:grpSpPr>
+        <a:xfrm>
+          <a:off x="0" y="0"/>
+          <a:ext cx="0" cy="0"/>
+          <a:chOff x="0" y="0"/>
+          <a:chExt cx="0" cy="0"/>
+        </a:xfrm>
+      </p:grpSpPr>
     </p:spTree>
   </p:cSld>
   <p:clrMapOvr>
@@ -23860,7 +23792,14 @@
         <p:cNvGrpSpPr/>
         <p:nvPr/>
       </p:nvGrpSpPr>
-      <p:grpSpPr/>
+      <p:grpSpPr>
+        <a:xfrm>
+          <a:off x="0" y="0"/>
+          <a:ext cx="0" cy="0"/>
+          <a:chOff x="0" y="0"/>
+          <a:chExt cx="0" cy="0"/>
+        </a:xfrm>
+      </p:grpSpPr>
       <p:sp>
         <p:nvSpPr>
           <p:cNvPr id="2" name="文本框 1"/>
@@ -23881,6 +23820,7 @@
           <a:bodyPr wrap="square" rtlCol="0" anchor="t">
             <a:spAutoFit/>
           </a:bodyPr>
+          <a:lstStyle/>
           <a:p>
             <a:pPr marL="342900" indent="-342900">
               <a:buAutoNum type="arabicPeriod"/>
@@ -23889,7 +23829,6 @@
               <a:rPr lang="zh-CN" altLang="en-US"/>
               <a:t>Custom elements（自定义元素）：一组JavaScript API，允许您定义custom elements及其行为，然后可以在您的用户界面中按照需要使用它们。</a:t>
             </a:r>
-            <a:endParaRPr lang="zh-CN" altLang="en-US"/>
           </a:p>
           <a:p>
             <a:pPr marL="342900" indent="-342900">
@@ -23899,7 +23838,6 @@
               <a:rPr lang="zh-CN" altLang="en-US"/>
               <a:t>Shadow DOM（影子DOM）：一组JavaScript API，用于将封装的“影子”DOM树附加到元素（与主文档DOM分开呈现）并控制其关联的功能。通过这种方式，您可以保持元素的功能私有，这样它们就可以被脚本化和样式化，而不用担心与文档的其他部分发生冲突。</a:t>
             </a:r>
-            <a:endParaRPr lang="zh-CN" altLang="en-US"/>
           </a:p>
           <a:p>
             <a:pPr marL="342900" indent="-342900">
@@ -23909,7 +23847,6 @@
               <a:rPr lang="zh-CN" altLang="en-US"/>
               <a:t>HTML templates（HTML模板） &lt;template&gt; 和 &lt;slot&gt; 元素使您可以编写不在呈现页面中显示的标记模板。然后它们可以作为自定义元素结构的基础被多次重用</a:t>
             </a:r>
-            <a:endParaRPr lang="zh-CN" altLang="en-US"/>
           </a:p>
         </p:txBody>
       </p:sp>
@@ -23930,7 +23867,14 @@
         <p:cNvGrpSpPr/>
         <p:nvPr/>
       </p:nvGrpSpPr>
-      <p:grpSpPr/>
+      <p:grpSpPr>
+        <a:xfrm>
+          <a:off x="0" y="0"/>
+          <a:ext cx="0" cy="0"/>
+          <a:chOff x="0" y="0"/>
+          <a:chExt cx="0" cy="0"/>
+        </a:xfrm>
+      </p:grpSpPr>
       <p:sp>
         <p:nvSpPr>
           <p:cNvPr id="2" name="文本占位符 1"/>
@@ -23944,12 +23888,12 @@
         <p:spPr/>
         <p:txBody>
           <a:bodyPr/>
+          <a:lstStyle/>
           <a:p>
             <a:r>
               <a:rPr lang="zh-CN" altLang="en-US"/>
               <a:t>运用</a:t>
             </a:r>
-            <a:endParaRPr lang="zh-CN" altLang="en-US"/>
           </a:p>
         </p:txBody>
       </p:sp>
@@ -23971,12 +23915,12 @@
         </p:spPr>
         <p:txBody>
           <a:bodyPr/>
+          <a:lstStyle/>
           <a:p>
             <a:r>
               <a:rPr lang="en-US" altLang="zh-CN"/>
               <a:t>Web Components</a:t>
             </a:r>
-            <a:endParaRPr lang="en-US" altLang="zh-CN"/>
           </a:p>
         </p:txBody>
       </p:sp>
@@ -24431,7 +24375,6 @@
               <a:rPr kumimoji="1" lang="zh-CN" altLang="en-US" sz="3600" dirty="0"/>
               <a:t>组件生命周期</a:t>
             </a:r>
-            <a:endParaRPr kumimoji="1" lang="zh-CN" altLang="en-US" sz="3600" dirty="0"/>
           </a:p>
         </p:txBody>
       </p:sp>
@@ -24573,7 +24516,6 @@
               <a:rPr kumimoji="1" lang="zh-CN" altLang="en-US" sz="3600" dirty="0"/>
               <a:t>组件插槽</a:t>
             </a:r>
-            <a:endParaRPr kumimoji="1" lang="zh-CN" altLang="en-US" sz="3600" dirty="0"/>
           </a:p>
         </p:txBody>
       </p:sp>
@@ -24963,7 +24905,14 @@
         <p:cNvGrpSpPr/>
         <p:nvPr/>
       </p:nvGrpSpPr>
-      <p:grpSpPr/>
+      <p:grpSpPr>
+        <a:xfrm>
+          <a:off x="0" y="0"/>
+          <a:ext cx="0" cy="0"/>
+          <a:chOff x="0" y="0"/>
+          <a:chExt cx="0" cy="0"/>
+        </a:xfrm>
+      </p:grpSpPr>
       <p:sp>
         <p:nvSpPr>
           <p:cNvPr id="2" name="内容占位符 1"/>
@@ -24977,6 +24926,7 @@
         <p:spPr/>
         <p:txBody>
           <a:bodyPr/>
+          <a:lstStyle/>
           <a:p>
             <a:endParaRPr lang="zh-CN" altLang="en-US"/>
           </a:p>
@@ -24997,6 +24947,7 @@
           <a:bodyPr>
             <a:normAutofit/>
           </a:bodyPr>
+          <a:lstStyle/>
           <a:p>
             <a:r>
               <a:rPr kumimoji="1" lang="zh-CN" altLang="en-US" dirty="0">
@@ -25025,7 +24976,14 @@
         <p:cNvGrpSpPr/>
         <p:nvPr/>
       </p:nvGrpSpPr>
-      <p:grpSpPr/>
+      <p:grpSpPr>
+        <a:xfrm>
+          <a:off x="0" y="0"/>
+          <a:ext cx="0" cy="0"/>
+          <a:chOff x="0" y="0"/>
+          <a:chExt cx="0" cy="0"/>
+        </a:xfrm>
+      </p:grpSpPr>
       <p:sp>
         <p:nvSpPr>
           <p:cNvPr id="2" name="标题 1"/>
@@ -25041,12 +24999,12 @@
           <a:bodyPr>
             <a:normAutofit/>
           </a:bodyPr>
+          <a:lstStyle/>
           <a:p>
             <a:r>
               <a:rPr lang="zh-CN" altLang="en-US"/>
               <a:t>生命周期</a:t>
             </a:r>
-            <a:endParaRPr lang="zh-CN" altLang="en-US"/>
           </a:p>
         </p:txBody>
       </p:sp>
@@ -25063,6 +25021,7 @@
         <p:spPr/>
         <p:txBody>
           <a:bodyPr/>
+          <a:lstStyle/>
           <a:p>
             <a:pPr marL="285750" indent="-285750">
               <a:buFont typeface="Arial" panose="020B0604020202090204" pitchFamily="34" charset="0"/>
@@ -25089,9 +25048,6 @@
               </a:rPr>
               <a:t>首次被插入文档DOM时，被调用</a:t>
             </a:r>
-            <a:endParaRPr lang="zh-CN" altLang="en-US">
-              <a:sym typeface="+mn-ea"/>
-            </a:endParaRPr>
           </a:p>
           <a:p>
             <a:pPr marL="285750" indent="-285750">
@@ -25104,9 +25060,6 @@
               </a:rPr>
               <a:t>disconnectedCallback：当 custom element从文档DOM中删除时，被调用</a:t>
             </a:r>
-            <a:endParaRPr lang="zh-CN" altLang="en-US">
-              <a:sym typeface="+mn-ea"/>
-            </a:endParaRPr>
           </a:p>
           <a:p>
             <a:pPr marL="285750" indent="-285750">
@@ -25119,9 +25072,6 @@
               </a:rPr>
               <a:t>adoptedCallback：当 custom element被移动到新的文档时，被调用</a:t>
             </a:r>
-            <a:endParaRPr lang="zh-CN" altLang="en-US">
-              <a:sym typeface="+mn-ea"/>
-            </a:endParaRPr>
           </a:p>
           <a:p>
             <a:pPr marL="285750" indent="-285750">
@@ -25158,7 +25108,14 @@
         <p:cNvGrpSpPr/>
         <p:nvPr/>
       </p:nvGrpSpPr>
-      <p:grpSpPr/>
+      <p:grpSpPr>
+        <a:xfrm>
+          <a:off x="0" y="0"/>
+          <a:ext cx="0" cy="0"/>
+          <a:chOff x="0" y="0"/>
+          <a:chExt cx="0" cy="0"/>
+        </a:xfrm>
+      </p:grpSpPr>
       <p:sp>
         <p:nvSpPr>
           <p:cNvPr id="2" name="文本框 1"/>
@@ -25179,12 +25136,12 @@
           <a:bodyPr wrap="square" rtlCol="0" anchor="t">
             <a:spAutoFit/>
           </a:bodyPr>
+          <a:lstStyle/>
           <a:p>
             <a:r>
               <a:rPr lang="zh-CN" altLang="en-US"/>
               <a:t>使用原生web components的好处非常的清晰：</a:t>
             </a:r>
-            <a:endParaRPr lang="zh-CN" altLang="en-US"/>
           </a:p>
           <a:p>
             <a:endParaRPr lang="zh-CN" altLang="en-US"/>
@@ -25194,28 +25151,24 @@
               <a:rPr lang="zh-CN" altLang="en-US"/>
               <a:t>原生不需要框架</a:t>
             </a:r>
-            <a:endParaRPr lang="zh-CN" altLang="en-US"/>
           </a:p>
           <a:p>
             <a:r>
               <a:rPr lang="zh-CN" altLang="en-US"/>
               <a:t>易于继承，不需要编译</a:t>
             </a:r>
-            <a:endParaRPr lang="zh-CN" altLang="en-US"/>
           </a:p>
           <a:p>
             <a:r>
               <a:rPr lang="zh-CN" altLang="en-US"/>
               <a:t>真正的局部CSS作用域</a:t>
             </a:r>
-            <a:endParaRPr lang="zh-CN" altLang="en-US"/>
           </a:p>
           <a:p>
             <a:r>
               <a:rPr lang="zh-CN" altLang="en-US"/>
               <a:t>标准，只有HTML，CSS，JavaScript</a:t>
             </a:r>
-            <a:endParaRPr lang="zh-CN" altLang="en-US"/>
           </a:p>
         </p:txBody>
       </p:sp>
@@ -25236,7 +25189,14 @@
         <p:cNvGrpSpPr/>
         <p:nvPr/>
       </p:nvGrpSpPr>
-      <p:grpSpPr/>
+      <p:grpSpPr>
+        <a:xfrm>
+          <a:off x="0" y="0"/>
+          <a:ext cx="0" cy="0"/>
+          <a:chOff x="0" y="0"/>
+          <a:chExt cx="0" cy="0"/>
+        </a:xfrm>
+      </p:grpSpPr>
       <p:sp>
         <p:nvSpPr>
           <p:cNvPr id="2" name="文本占位符 1"/>
@@ -25250,12 +25210,12 @@
         <p:spPr/>
         <p:txBody>
           <a:bodyPr/>
+          <a:lstStyle/>
           <a:p>
             <a:r>
               <a:rPr lang="en-US" altLang="zh-CN"/>
               <a:t>lit/lit-element/vue-lit</a:t>
             </a:r>
-            <a:endParaRPr lang="en-US" altLang="zh-CN"/>
           </a:p>
         </p:txBody>
       </p:sp>
@@ -25272,6 +25232,7 @@
         <p:spPr/>
         <p:txBody>
           <a:bodyPr/>
+          <a:lstStyle/>
           <a:p>
             <a:r>
               <a:rPr lang="zh-CN" altLang="en-US">
@@ -25300,7 +25261,14 @@
         <p:cNvGrpSpPr/>
         <p:nvPr/>
       </p:nvGrpSpPr>
-      <p:grpSpPr/>
+      <p:grpSpPr>
+        <a:xfrm>
+          <a:off x="0" y="0"/>
+          <a:ext cx="0" cy="0"/>
+          <a:chOff x="0" y="0"/>
+          <a:chExt cx="0" cy="0"/>
+        </a:xfrm>
+      </p:grpSpPr>
       <p:sp>
         <p:nvSpPr>
           <p:cNvPr id="2" name="标题 1"/>
@@ -25314,14 +25282,14 @@
         <p:spPr/>
         <p:txBody>
           <a:bodyPr>
-            <a:normAutofit fontScale="90000"/>
+            <a:normAutofit/>
           </a:bodyPr>
+          <a:lstStyle/>
           <a:p>
             <a:r>
               <a:rPr lang="en-US" altLang="zh-CN"/>
               <a:t>lit</a:t>
             </a:r>
-            <a:endParaRPr lang="en-US" altLang="zh-CN"/>
           </a:p>
         </p:txBody>
       </p:sp>
@@ -25338,6 +25306,7 @@
         <p:spPr/>
         <p:txBody>
           <a:bodyPr/>
+          <a:lstStyle/>
           <a:p>
             <a:r>
               <a:rPr lang="zh-CN" altLang="en-US">
@@ -25363,9 +25332,6 @@
               </a:rPr>
               <a:t>lit</a:t>
             </a:r>
-            <a:endParaRPr lang="en-US" altLang="zh-CN">
-              <a:sym typeface="+mn-ea"/>
-            </a:endParaRPr>
           </a:p>
           <a:p>
             <a:r>
@@ -25398,9 +25364,6 @@
               </a:rPr>
               <a:t>lit-html</a:t>
             </a:r>
-            <a:endParaRPr lang="en-US" altLang="zh-CN">
-              <a:sym typeface="+mn-ea"/>
-            </a:endParaRPr>
           </a:p>
           <a:p>
             <a:r>
@@ -25433,9 +25396,6 @@
               </a:rPr>
               <a:t>js</a:t>
             </a:r>
-            <a:endParaRPr lang="en-US" altLang="zh-CN">
-              <a:sym typeface="+mn-ea"/>
-            </a:endParaRPr>
           </a:p>
           <a:p>
             <a:r>
@@ -25474,9 +25434,6 @@
               </a:rPr>
               <a:t>模板引擎</a:t>
             </a:r>
-            <a:endParaRPr lang="zh-CN" altLang="en-US">
-              <a:sym typeface="+mn-ea"/>
-            </a:endParaRPr>
           </a:p>
           <a:p>
             <a:r>
@@ -25527,9 +25484,6 @@
               </a:rPr>
               <a:t>开发的</a:t>
             </a:r>
-            <a:endParaRPr lang="zh-CN" altLang="en-US">
-              <a:sym typeface="+mn-ea"/>
-            </a:endParaRPr>
           </a:p>
           <a:p>
             <a:r>
@@ -25578,9 +25532,6 @@
               </a:rPr>
               <a:t>https://github.com/Polymer/shop</a:t>
             </a:r>
-            <a:endParaRPr lang="zh-CN" altLang="en-US">
-              <a:sym typeface="+mn-ea"/>
-            </a:endParaRPr>
           </a:p>
           <a:p>
             <a:endParaRPr lang="zh-CN" altLang="en-US"/>
@@ -25594,7 +25545,6 @@
               <a:rPr lang="zh-CN" altLang="en-US"/>
               <a:t>组件：https://xy-ui.codelabo.cn/</a:t>
             </a:r>
-            <a:endParaRPr lang="zh-CN" altLang="en-US"/>
           </a:p>
         </p:txBody>
       </p:sp>
@@ -25615,10 +25565,17 @@
         <p:cNvGrpSpPr/>
         <p:nvPr/>
       </p:nvGrpSpPr>
-      <p:grpSpPr/>
-      <p:sp>
-        <p:nvSpPr>
-          <p:cNvPr id="2" name="标题 1"/>
+      <p:grpSpPr>
+        <a:xfrm>
+          <a:off x="0" y="0"/>
+          <a:ext cx="0" cy="0"/>
+          <a:chOff x="0" y="0"/>
+          <a:chExt cx="0" cy="0"/>
+        </a:xfrm>
+      </p:grpSpPr>
+      <p:sp>
+        <p:nvSpPr>
+          <p:cNvPr id="3" name="标题 2"/>
           <p:cNvSpPr>
             <a:spLocks noGrp="1"/>
           </p:cNvSpPr>
@@ -25626,154 +25583,193 @@
             <p:ph type="title"/>
           </p:nvPr>
         </p:nvSpPr>
-        <p:spPr/>
-        <p:txBody>
-          <a:bodyPr/>
-          <a:p>
-            <a:r>
-              <a:rPr lang="zh-CN" altLang="en-US"/>
-              <a:t>目录</a:t>
-            </a:r>
-            <a:endParaRPr lang="en-US" altLang="zh-CN"/>
-          </a:p>
-        </p:txBody>
-      </p:sp>
-      <p:sp>
-        <p:nvSpPr>
-          <p:cNvPr id="3" name="文本占位符 2"/>
-          <p:cNvSpPr>
-            <a:spLocks noGrp="1"/>
-          </p:cNvSpPr>
-          <p:nvPr>
-            <p:ph type="body" sz="quarter" idx="13"/>
-          </p:nvPr>
-        </p:nvSpPr>
         <p:spPr>
           <a:xfrm>
-            <a:off x="4629150" y="1352550"/>
-            <a:ext cx="5457190" cy="721995"/>
+            <a:off x="838200" y="363220"/>
+            <a:ext cx="10515600" cy="536023"/>
           </a:xfrm>
         </p:spPr>
         <p:txBody>
-          <a:bodyPr/>
-          <a:p>
-            <a:r>
-              <a:rPr lang="en-US" altLang="zh-CN"/>
-              <a:t>web components</a:t>
-            </a:r>
-            <a:r>
-              <a:rPr lang="zh-CN" altLang="en-US"/>
-              <a:t>介绍</a:t>
-            </a:r>
-            <a:endParaRPr lang="zh-CN" altLang="en-US"/>
+          <a:bodyPr>
+            <a:normAutofit/>
+          </a:bodyPr>
+          <a:lstStyle/>
+          <a:p>
+            <a:r>
+              <a:rPr lang="zh-CN" altLang="en-US" dirty="0"/>
+              <a:t>引言</a:t>
+            </a:r>
           </a:p>
         </p:txBody>
       </p:sp>
       <p:sp>
         <p:nvSpPr>
-          <p:cNvPr id="4" name="文本占位符 3"/>
-          <p:cNvSpPr>
-            <a:spLocks noGrp="1"/>
-          </p:cNvSpPr>
-          <p:nvPr>
-            <p:ph type="body" sz="quarter" idx="14"/>
-          </p:nvPr>
+          <p:cNvPr id="6" name="矩形 5"/>
+          <p:cNvSpPr/>
+          <p:nvPr/>
         </p:nvSpPr>
         <p:spPr>
           <a:xfrm>
-            <a:off x="4629150" y="2556510"/>
-            <a:ext cx="5590540" cy="721360"/>
+            <a:off x="838200" y="1744980"/>
+            <a:ext cx="9648825" cy="2306955"/>
           </a:xfrm>
+          <a:prstGeom prst="rect">
+            <a:avLst/>
+          </a:prstGeom>
         </p:spPr>
         <p:txBody>
-          <a:bodyPr/>
-          <a:p>
-            <a:r>
-              <a:rPr lang="en-US" altLang="zh-CN">
+          <a:bodyPr wrap="square">
+            <a:spAutoFit/>
+          </a:bodyPr>
+          <a:lstStyle/>
+          <a:p>
+            <a:pPr>
+              <a:lnSpc>
+                <a:spcPct val="150000"/>
+              </a:lnSpc>
+            </a:pPr>
+            <a:r>
+              <a:rPr lang="zh-CN" altLang="en-US" sz="2400" dirty="0">
+                <a:solidFill>
+                  <a:srgbClr val="FF0000"/>
+                </a:solidFill>
+              </a:rPr>
+              <a:t>通常一个应用会以一棵嵌套的组件树（</a:t>
+            </a:r>
+            <a:r>
+              <a:rPr lang="en-US" altLang="zh-CN" sz="2400" dirty="0">
+                <a:solidFill>
+                  <a:srgbClr val="FF0000"/>
+                </a:solidFill>
+              </a:rPr>
+              <a:t>DOM tree</a:t>
+            </a:r>
+            <a:r>
+              <a:rPr lang="zh-CN" altLang="en-US" sz="2400" dirty="0">
+                <a:solidFill>
+                  <a:srgbClr val="FF0000"/>
+                </a:solidFill>
+              </a:rPr>
+              <a:t>）的形式来组织；</a:t>
+            </a:r>
+          </a:p>
+          <a:p>
+            <a:pPr>
+              <a:lnSpc>
+                <a:spcPct val="150000"/>
+              </a:lnSpc>
+            </a:pPr>
+            <a:r>
+              <a:rPr lang="en-US" altLang="zh-CN" sz="2400" dirty="0">
+                <a:solidFill>
+                  <a:srgbClr val="FF0000"/>
+                </a:solidFill>
                 <a:sym typeface="+mn-ea"/>
               </a:rPr>
-              <a:t>web components</a:t>
-            </a:r>
-            <a:r>
-              <a:rPr lang="zh-CN" altLang="en-US"/>
-              <a:t>运用</a:t>
-            </a:r>
-            <a:endParaRPr lang="zh-CN" altLang="en-US"/>
+              <a:t>web</a:t>
+            </a:r>
+            <a:r>
+              <a:rPr lang="zh-CN" altLang="en-US" sz="2400" dirty="0">
+                <a:solidFill>
+                  <a:srgbClr val="FF0000"/>
+                </a:solidFill>
+                <a:sym typeface="+mn-ea"/>
+              </a:rPr>
+              <a:t>组件 </a:t>
+            </a:r>
+            <a:r>
+              <a:rPr lang="en-US" altLang="zh-CN" sz="2400" dirty="0">
+                <a:solidFill>
+                  <a:srgbClr val="FF0000"/>
+                </a:solidFill>
+                <a:sym typeface="+mn-ea"/>
+              </a:rPr>
+              <a:t>= html + css + js</a:t>
+            </a:r>
+            <a:endParaRPr lang="en-US" altLang="zh-CN" sz="2400" dirty="0">
+              <a:solidFill>
+                <a:srgbClr val="FF0000"/>
+              </a:solidFill>
+            </a:endParaRPr>
+          </a:p>
+          <a:p>
+            <a:pPr>
+              <a:lnSpc>
+                <a:spcPct val="150000"/>
+              </a:lnSpc>
+            </a:pPr>
+            <a:r>
+              <a:rPr lang="zh-CN" altLang="en-US" sz="2400" dirty="0">
+                <a:solidFill>
+                  <a:srgbClr val="FF0000"/>
+                </a:solidFill>
+              </a:rPr>
+              <a:t>组件特点：高内聚低耦合</a:t>
+            </a:r>
+          </a:p>
+          <a:p>
+            <a:pPr>
+              <a:lnSpc>
+                <a:spcPct val="150000"/>
+              </a:lnSpc>
+            </a:pPr>
+            <a:r>
+              <a:rPr lang="zh-CN" altLang="en-US" sz="2400" dirty="0">
+                <a:solidFill>
+                  <a:srgbClr val="FF0000"/>
+                </a:solidFill>
+              </a:rPr>
+              <a:t>拆分组件原则：</a:t>
+            </a:r>
+            <a:r>
+              <a:rPr lang="en-US" altLang="zh-CN" sz="2400" dirty="0">
+                <a:solidFill>
+                  <a:srgbClr val="FF0000"/>
+                </a:solidFill>
+              </a:rPr>
+              <a:t>可维护性+</a:t>
+            </a:r>
+            <a:r>
+              <a:rPr lang="zh-CN" altLang="en-US" sz="2400" dirty="0">
+                <a:solidFill>
+                  <a:srgbClr val="FF0000"/>
+                </a:solidFill>
+                <a:sym typeface="+mn-ea"/>
+              </a:rPr>
+              <a:t>复用性</a:t>
+            </a:r>
+            <a:endParaRPr lang="en-US" altLang="zh-CN" sz="2400" dirty="0">
+              <a:solidFill>
+                <a:srgbClr val="FF0000"/>
+              </a:solidFill>
+            </a:endParaRPr>
           </a:p>
         </p:txBody>
       </p:sp>
-      <p:sp>
-        <p:nvSpPr>
-          <p:cNvPr id="5" name="文本占位符 4"/>
-          <p:cNvSpPr>
-            <a:spLocks noGrp="1"/>
-          </p:cNvSpPr>
-          <p:nvPr>
-            <p:ph type="body" sz="quarter" idx="15"/>
-          </p:nvPr>
-        </p:nvSpPr>
+      <p:pic>
+        <p:nvPicPr>
+          <p:cNvPr id="4" name="图片 3"/>
+          <p:cNvPicPr>
+            <a:picLocks noChangeAspect="1"/>
+          </p:cNvPicPr>
+          <p:nvPr/>
+        </p:nvPicPr>
+        <p:blipFill>
+          <a:blip r:embed="rId2"/>
+          <a:stretch>
+            <a:fillRect/>
+          </a:stretch>
+        </p:blipFill>
         <p:spPr>
           <a:xfrm>
-            <a:off x="4629150" y="3759835"/>
-            <a:ext cx="4455160" cy="721360"/>
+            <a:off x="5347970" y="3521075"/>
+            <a:ext cx="6696075" cy="2590800"/>
           </a:xfrm>
+          <a:prstGeom prst="rect">
+            <a:avLst/>
+          </a:prstGeom>
         </p:spPr>
-        <p:txBody>
-          <a:bodyPr/>
-          <a:p>
-            <a:r>
-              <a:rPr lang="zh-CN" altLang="en-US"/>
-              <a:t>第三方封装库</a:t>
-            </a:r>
-            <a:endParaRPr lang="zh-CN" altLang="en-US"/>
-          </a:p>
-        </p:txBody>
-      </p:sp>
-      <p:sp>
-        <p:nvSpPr>
-          <p:cNvPr id="6" name="文本占位符 5"/>
-          <p:cNvSpPr>
-            <a:spLocks noGrp="1"/>
-          </p:cNvSpPr>
-          <p:nvPr>
-            <p:ph type="body" sz="quarter" idx="17"/>
-          </p:nvPr>
-        </p:nvSpPr>
-        <p:spPr>
-          <a:xfrm>
-            <a:off x="4629150" y="4963160"/>
-            <a:ext cx="4455160" cy="721995"/>
-          </a:xfrm>
-        </p:spPr>
-        <p:txBody>
-          <a:bodyPr/>
-          <a:p>
-            <a:r>
-              <a:rPr lang="zh-CN" altLang="en-US"/>
-              <a:t>总结</a:t>
-            </a:r>
-            <a:endParaRPr lang="zh-CN" altLang="en-US"/>
-          </a:p>
-        </p:txBody>
-      </p:sp>
-      <p:sp>
-        <p:nvSpPr>
-          <p:cNvPr id="7" name="文本占位符 6"/>
-          <p:cNvSpPr>
-            <a:spLocks noGrp="1"/>
-          </p:cNvSpPr>
-          <p:nvPr>
-            <p:ph type="body" sz="quarter" idx="18"/>
-          </p:nvPr>
-        </p:nvSpPr>
-        <p:spPr/>
-        <p:txBody>
-          <a:bodyPr/>
-          <a:p>
-            <a:endParaRPr lang="zh-CN" altLang="en-US"/>
-          </a:p>
-        </p:txBody>
-      </p:sp>
+      </p:pic>
     </p:spTree>
   </p:cSld>
   <p:clrMapOvr>
@@ -25818,7 +25814,6 @@
               <a:rPr kumimoji="1" lang="zh-CN" altLang="en-US" dirty="0"/>
               <a:t>使用过程中的问题总结</a:t>
             </a:r>
-            <a:endParaRPr kumimoji="1" lang="zh-CN" altLang="en-US" dirty="0"/>
           </a:p>
         </p:txBody>
       </p:sp>
@@ -25839,7 +25834,14 @@
         <p:cNvGrpSpPr/>
         <p:nvPr/>
       </p:nvGrpSpPr>
-      <p:grpSpPr/>
+      <p:grpSpPr>
+        <a:xfrm>
+          <a:off x="0" y="0"/>
+          <a:ext cx="0" cy="0"/>
+          <a:chOff x="0" y="0"/>
+          <a:chExt cx="0" cy="0"/>
+        </a:xfrm>
+      </p:grpSpPr>
       <p:sp>
         <p:nvSpPr>
           <p:cNvPr id="3" name="标题 2"/>
@@ -25853,12 +25855,12 @@
         <p:spPr/>
         <p:txBody>
           <a:bodyPr/>
+          <a:lstStyle/>
           <a:p>
             <a:r>
               <a:rPr lang="zh-CN" altLang="en-US"/>
               <a:t>总结</a:t>
             </a:r>
-            <a:endParaRPr lang="zh-CN" altLang="en-US"/>
           </a:p>
         </p:txBody>
       </p:sp>
@@ -25906,7 +25908,6 @@
               <a:rPr lang="zh-CN" altLang="en-US" dirty="0"/>
               <a:t>总结</a:t>
             </a:r>
-            <a:endParaRPr lang="zh-CN" altLang="en-US" dirty="0"/>
           </a:p>
         </p:txBody>
       </p:sp>
@@ -25928,7 +25929,7 @@
         </p:spPr>
         <p:txBody>
           <a:bodyPr>
-            <a:normAutofit fontScale="80000"/>
+            <a:normAutofit fontScale="87500" lnSpcReduction="20000"/>
           </a:bodyPr>
           <a:lstStyle/>
           <a:p>
@@ -26398,32 +26399,17 @@
         <p:cNvGrpSpPr/>
         <p:nvPr/>
       </p:nvGrpSpPr>
-      <p:grpSpPr/>
-      <p:sp>
-        <p:nvSpPr>
-          <p:cNvPr id="2" name="文本占位符 1"/>
-          <p:cNvSpPr>
-            <a:spLocks noGrp="1"/>
-          </p:cNvSpPr>
-          <p:nvPr>
-            <p:ph type="body" sz="quarter" idx="13"/>
-          </p:nvPr>
-        </p:nvSpPr>
-        <p:spPr/>
-        <p:txBody>
-          <a:bodyPr/>
-          <a:p>
-            <a:r>
-              <a:rPr lang="zh-CN" altLang="en-US"/>
-              <a:t>介绍</a:t>
-            </a:r>
-            <a:endParaRPr lang="zh-CN" altLang="en-US"/>
-          </a:p>
-        </p:txBody>
-      </p:sp>
-      <p:sp>
-        <p:nvSpPr>
-          <p:cNvPr id="3" name="标题 2"/>
+      <p:grpSpPr>
+        <a:xfrm>
+          <a:off x="0" y="0"/>
+          <a:ext cx="0" cy="0"/>
+          <a:chOff x="0" y="0"/>
+          <a:chExt cx="0" cy="0"/>
+        </a:xfrm>
+      </p:grpSpPr>
+      <p:sp>
+        <p:nvSpPr>
+          <p:cNvPr id="2" name="标题 1"/>
           <p:cNvSpPr>
             <a:spLocks noGrp="1"/>
           </p:cNvSpPr>
@@ -26433,18 +26419,176 @@
         </p:nvSpPr>
         <p:spPr>
           <a:xfrm>
-            <a:off x="6508750" y="2385695"/>
-            <a:ext cx="6442710" cy="962660"/>
+            <a:off x="838200" y="365125"/>
+            <a:ext cx="9186644" cy="536023"/>
           </a:xfrm>
         </p:spPr>
         <p:txBody>
+          <a:bodyPr>
+            <a:normAutofit/>
+          </a:bodyPr>
+          <a:lstStyle/>
+          <a:p>
+            <a:r>
+              <a:rPr lang="zh-CN" altLang="en-US" dirty="0"/>
+              <a:t>组件化开发</a:t>
+            </a:r>
+          </a:p>
+        </p:txBody>
+      </p:sp>
+      <p:sp>
+        <p:nvSpPr>
+          <p:cNvPr id="7" name="内容占位符 6"/>
+          <p:cNvSpPr>
+            <a:spLocks noGrp="1"/>
+          </p:cNvSpPr>
+          <p:nvPr>
+            <p:ph sz="quarter" idx="13"/>
+          </p:nvPr>
+        </p:nvSpPr>
+        <p:spPr/>
+        <p:txBody>
           <a:bodyPr/>
-          <a:p>
-            <a:r>
-              <a:rPr lang="en-US" altLang="zh-CN"/>
-              <a:t>Web Components</a:t>
-            </a:r>
-            <a:endParaRPr lang="en-US" altLang="zh-CN"/>
+          <a:lstStyle/>
+          <a:p>
+            <a:r>
+              <a:rPr lang="zh-CN" altLang="en-US" dirty="0">
+                <a:sym typeface="+mn-ea"/>
+              </a:rPr>
+              <a:t>组件是前端的发展方向，现在流行的 React 和 Vue 都是组件框架。</a:t>
+            </a:r>
+            <a:endParaRPr lang="zh-CN" altLang="en-US" dirty="0"/>
+          </a:p>
+          <a:p>
+            <a:r>
+              <a:rPr lang="en-US" altLang="zh-CN" dirty="0">
+                <a:sym typeface="+mn-ea"/>
+              </a:rPr>
+              <a:t>react</a:t>
+            </a:r>
+            <a:r>
+              <a:rPr lang="zh-CN" altLang="en-US" dirty="0">
+                <a:sym typeface="+mn-ea"/>
+              </a:rPr>
+              <a:t>组件：</a:t>
+            </a:r>
+            <a:r>
+              <a:rPr lang="zh-CN" altLang="en-US" dirty="0">
+                <a:sym typeface="+mn-ea"/>
+                <a:hlinkClick r:id="rId2"/>
+              </a:rPr>
+              <a:t>https://react.docschina.org/docs/components-and-props.html</a:t>
+            </a:r>
+            <a:endParaRPr lang="en-US" altLang="zh-CN" dirty="0">
+              <a:sym typeface="+mn-ea"/>
+            </a:endParaRPr>
+          </a:p>
+          <a:p>
+            <a:r>
+              <a:rPr lang="zh-CN" altLang="en-US" b="1" i="0" dirty="0">
+                <a:solidFill>
+                  <a:srgbClr val="000000"/>
+                </a:solidFill>
+                <a:effectLst/>
+                <a:latin typeface="-apple-system"/>
+              </a:rPr>
+              <a:t>函数组件与 </a:t>
+            </a:r>
+            <a:r>
+              <a:rPr lang="en-US" altLang="zh-CN" b="1" i="0" dirty="0">
+                <a:solidFill>
+                  <a:srgbClr val="000000"/>
+                </a:solidFill>
+                <a:effectLst/>
+                <a:latin typeface="-apple-system"/>
+              </a:rPr>
+              <a:t>class </a:t>
+            </a:r>
+            <a:r>
+              <a:rPr lang="zh-CN" altLang="en-US" b="1" i="0" dirty="0">
+                <a:solidFill>
+                  <a:srgbClr val="000000"/>
+                </a:solidFill>
+                <a:effectLst/>
+                <a:latin typeface="-apple-system"/>
+              </a:rPr>
+              <a:t>组件 </a:t>
+            </a:r>
+            <a:r>
+              <a:rPr lang="en-US" altLang="zh-CN" b="1" i="0" dirty="0">
+                <a:solidFill>
+                  <a:srgbClr val="000000"/>
+                </a:solidFill>
+                <a:effectLst/>
+                <a:latin typeface="-apple-system"/>
+              </a:rPr>
+              <a:t>=&gt;   </a:t>
+            </a:r>
+            <a:r>
+              <a:rPr lang="en-US" altLang="zh-CN" b="0" i="0" dirty="0">
+                <a:solidFill>
+                  <a:srgbClr val="4D4D4D"/>
+                </a:solidFill>
+                <a:effectLst/>
+                <a:latin typeface="Courier New" panose="02070309020205020404" pitchFamily="49" charset="0"/>
+              </a:rPr>
+              <a:t>UI = f(data)</a:t>
+            </a:r>
+            <a:endParaRPr lang="zh-CN" altLang="en-US" dirty="0"/>
+          </a:p>
+          <a:p>
+            <a:r>
+              <a:rPr lang="en-US" altLang="zh-CN" dirty="0">
+                <a:sym typeface="+mn-ea"/>
+              </a:rPr>
+              <a:t>vue3</a:t>
+            </a:r>
+            <a:r>
+              <a:rPr lang="zh-CN" altLang="en-US" dirty="0">
+                <a:sym typeface="+mn-ea"/>
+              </a:rPr>
+              <a:t>组件：</a:t>
+            </a:r>
+            <a:r>
+              <a:rPr lang="zh-CN" altLang="en-US" dirty="0">
+                <a:sym typeface="+mn-ea"/>
+                <a:hlinkClick r:id="rId3"/>
+              </a:rPr>
+              <a:t>https://v3.cn.vuejs.org/guide/component-basics.html</a:t>
+            </a:r>
+            <a:endParaRPr lang="en-US" altLang="zh-CN" dirty="0">
+              <a:sym typeface="+mn-ea"/>
+            </a:endParaRPr>
+          </a:p>
+          <a:p>
+            <a:r>
+              <a:rPr lang="en-US" altLang="zh-CN" dirty="0"/>
+              <a:t>Vue</a:t>
+            </a:r>
+            <a:r>
+              <a:rPr lang="zh-CN" altLang="en-US" dirty="0"/>
+              <a:t>单文件组件</a:t>
+            </a:r>
+          </a:p>
+          <a:p>
+            <a:endParaRPr lang="zh-CN" altLang="en-US" dirty="0"/>
+          </a:p>
+          <a:p>
+            <a:r>
+              <a:rPr lang="zh-CN" altLang="en-US" dirty="0">
+                <a:sym typeface="+mn-ea"/>
+              </a:rPr>
+              <a:t>谷歌公司由于掌握了 Chrome 浏览器，一直在推动浏览器的原生组件，即 Web Components API。</a:t>
+            </a:r>
+          </a:p>
+          <a:p>
+            <a:r>
+              <a:rPr lang="zh-CN" altLang="en-US" dirty="0">
+                <a:sym typeface="+mn-ea"/>
+              </a:rPr>
+              <a:t>相比第三方框架，原生组件简单直接，符合直觉，不用加载任何外部模块，代码量小。</a:t>
+            </a:r>
+            <a:endParaRPr lang="zh-CN" altLang="en-US" dirty="0"/>
           </a:p>
         </p:txBody>
       </p:sp>
@@ -26465,10 +26609,17 @@
         <p:cNvGrpSpPr/>
         <p:nvPr/>
       </p:nvGrpSpPr>
-      <p:grpSpPr/>
-      <p:sp>
-        <p:nvSpPr>
-          <p:cNvPr id="3" name="标题 2"/>
+      <p:grpSpPr>
+        <a:xfrm>
+          <a:off x="0" y="0"/>
+          <a:ext cx="0" cy="0"/>
+          <a:chOff x="0" y="0"/>
+          <a:chExt cx="0" cy="0"/>
+        </a:xfrm>
+      </p:grpSpPr>
+      <p:sp>
+        <p:nvSpPr>
+          <p:cNvPr id="2" name="标题 1"/>
           <p:cNvSpPr>
             <a:spLocks noGrp="1"/>
           </p:cNvSpPr>
@@ -26476,214 +26627,169 @@
             <p:ph type="title"/>
           </p:nvPr>
         </p:nvSpPr>
+        <p:spPr/>
+        <p:txBody>
+          <a:bodyPr/>
+          <a:lstStyle/>
+          <a:p>
+            <a:r>
+              <a:rPr lang="zh-CN" altLang="en-US" dirty="0"/>
+              <a:t>目录</a:t>
+            </a:r>
+            <a:endParaRPr lang="en-US" altLang="zh-CN" dirty="0"/>
+          </a:p>
+        </p:txBody>
+      </p:sp>
+      <p:sp>
+        <p:nvSpPr>
+          <p:cNvPr id="3" name="文本占位符 2"/>
+          <p:cNvSpPr>
+            <a:spLocks noGrp="1"/>
+          </p:cNvSpPr>
+          <p:nvPr>
+            <p:ph type="body" sz="quarter" idx="13"/>
+          </p:nvPr>
+        </p:nvSpPr>
         <p:spPr>
           <a:xfrm>
-            <a:off x="838200" y="363220"/>
-            <a:ext cx="10515600" cy="536023"/>
+            <a:off x="4629150" y="1352550"/>
+            <a:ext cx="6091980" cy="721995"/>
           </a:xfrm>
         </p:spPr>
         <p:txBody>
-          <a:bodyPr>
-            <a:normAutofit/>
-          </a:bodyPr>
-          <a:p>
-            <a:r>
-              <a:rPr lang="zh-CN" altLang="en-US"/>
-              <a:t>引言</a:t>
-            </a:r>
-            <a:endParaRPr lang="zh-CN" altLang="en-US"/>
+          <a:bodyPr/>
+          <a:lstStyle/>
+          <a:p>
+            <a:r>
+              <a:rPr lang="en-US" altLang="zh-CN" dirty="0"/>
+              <a:t>web components</a:t>
+            </a:r>
+            <a:r>
+              <a:rPr lang="zh-CN" altLang="en-US" dirty="0"/>
+              <a:t>介绍</a:t>
+            </a:r>
           </a:p>
         </p:txBody>
       </p:sp>
       <p:sp>
         <p:nvSpPr>
-          <p:cNvPr id="6" name="矩形 5"/>
-          <p:cNvSpPr/>
-          <p:nvPr/>
+          <p:cNvPr id="4" name="文本占位符 3"/>
+          <p:cNvSpPr>
+            <a:spLocks noGrp="1"/>
+          </p:cNvSpPr>
+          <p:nvPr>
+            <p:ph type="body" sz="quarter" idx="14"/>
+          </p:nvPr>
         </p:nvSpPr>
         <p:spPr>
           <a:xfrm>
-            <a:off x="838200" y="1744980"/>
-            <a:ext cx="9648825" cy="2306955"/>
+            <a:off x="4629149" y="2556510"/>
+            <a:ext cx="5932589" cy="721360"/>
           </a:xfrm>
-          <a:prstGeom prst="rect">
-            <a:avLst/>
-          </a:prstGeom>
         </p:spPr>
         <p:txBody>
-          <a:bodyPr wrap="square">
-            <a:spAutoFit/>
-          </a:bodyPr>
-          <a:p>
-            <a:pPr>
-              <a:lnSpc>
-                <a:spcPct val="150000"/>
-              </a:lnSpc>
-            </a:pPr>
-            <a:r>
-              <a:rPr lang="zh-CN" altLang="en-US" sz="2400" dirty="0">
-                <a:solidFill>
-                  <a:srgbClr val="FF0000"/>
-                </a:solidFill>
-              </a:rPr>
-              <a:t>通常一个应用会以一棵嵌套的组件树（</a:t>
-            </a:r>
-            <a:r>
-              <a:rPr lang="en-US" altLang="zh-CN" sz="2400" dirty="0">
-                <a:solidFill>
-                  <a:srgbClr val="FF0000"/>
-                </a:solidFill>
-              </a:rPr>
-              <a:t>DOM tree</a:t>
-            </a:r>
-            <a:r>
-              <a:rPr lang="zh-CN" altLang="en-US" sz="2400" dirty="0">
-                <a:solidFill>
-                  <a:srgbClr val="FF0000"/>
-                </a:solidFill>
-              </a:rPr>
-              <a:t>）的形式来组织；</a:t>
-            </a:r>
-            <a:endParaRPr lang="zh-CN" altLang="en-US" sz="2400" dirty="0">
-              <a:solidFill>
-                <a:srgbClr val="FF0000"/>
-              </a:solidFill>
-            </a:endParaRPr>
-          </a:p>
-          <a:p>
-            <a:pPr>
-              <a:lnSpc>
-                <a:spcPct val="150000"/>
-              </a:lnSpc>
-            </a:pPr>
-            <a:r>
-              <a:rPr lang="en-US" altLang="zh-CN" sz="2400" dirty="0">
-                <a:solidFill>
-                  <a:srgbClr val="FF0000"/>
-                </a:solidFill>
+          <a:bodyPr/>
+          <a:lstStyle/>
+          <a:p>
+            <a:r>
+              <a:rPr lang="en-US" altLang="zh-CN" dirty="0">
                 <a:sym typeface="+mn-ea"/>
               </a:rPr>
-              <a:t>web</a:t>
-            </a:r>
-            <a:r>
-              <a:rPr lang="zh-CN" altLang="en-US" sz="2400" dirty="0">
-                <a:solidFill>
-                  <a:srgbClr val="FF0000"/>
-                </a:solidFill>
-                <a:sym typeface="+mn-ea"/>
-              </a:rPr>
-              <a:t>组件 </a:t>
-            </a:r>
-            <a:r>
-              <a:rPr lang="en-US" altLang="zh-CN" sz="2400" dirty="0">
-                <a:solidFill>
-                  <a:srgbClr val="FF0000"/>
-                </a:solidFill>
-                <a:sym typeface="+mn-ea"/>
-              </a:rPr>
-              <a:t>= html + css + js</a:t>
-            </a:r>
-            <a:endParaRPr lang="en-US" altLang="zh-CN" sz="2400" dirty="0">
-              <a:solidFill>
-                <a:srgbClr val="FF0000"/>
-              </a:solidFill>
-            </a:endParaRPr>
-          </a:p>
-          <a:p>
-            <a:pPr>
-              <a:lnSpc>
-                <a:spcPct val="150000"/>
-              </a:lnSpc>
-            </a:pPr>
-            <a:r>
-              <a:rPr lang="zh-CN" altLang="en-US" sz="2400" dirty="0">
-                <a:solidFill>
-                  <a:srgbClr val="FF0000"/>
-                </a:solidFill>
-              </a:rPr>
-              <a:t>组件特点：高内聚低耦合</a:t>
-            </a:r>
-            <a:endParaRPr lang="zh-CN" altLang="en-US" sz="2400" dirty="0">
-              <a:solidFill>
-                <a:srgbClr val="FF0000"/>
-              </a:solidFill>
-            </a:endParaRPr>
-          </a:p>
-          <a:p>
-            <a:pPr>
-              <a:lnSpc>
-                <a:spcPct val="150000"/>
-              </a:lnSpc>
-            </a:pPr>
-            <a:r>
-              <a:rPr lang="zh-CN" altLang="en-US" sz="2400" dirty="0">
-                <a:solidFill>
-                  <a:srgbClr val="FF0000"/>
-                </a:solidFill>
-              </a:rPr>
-              <a:t>拆分组件原则：</a:t>
-            </a:r>
-            <a:r>
-              <a:rPr lang="en-US" altLang="zh-CN" sz="2400" dirty="0">
-                <a:solidFill>
-                  <a:srgbClr val="FF0000"/>
-                </a:solidFill>
-              </a:rPr>
-              <a:t>可维护性+</a:t>
-            </a:r>
-            <a:r>
-              <a:rPr lang="zh-CN" altLang="en-US" sz="2400" dirty="0">
-                <a:solidFill>
-                  <a:srgbClr val="FF0000"/>
-                </a:solidFill>
-                <a:sym typeface="+mn-ea"/>
-              </a:rPr>
-              <a:t>复用性</a:t>
-            </a:r>
-            <a:endParaRPr lang="en-US" altLang="zh-CN" sz="2400" dirty="0">
-              <a:solidFill>
-                <a:srgbClr val="FF0000"/>
-              </a:solidFill>
-            </a:endParaRPr>
+              <a:t>web components</a:t>
+            </a:r>
+            <a:r>
+              <a:rPr lang="zh-CN" altLang="en-US" dirty="0"/>
+              <a:t>运用</a:t>
+            </a:r>
           </a:p>
         </p:txBody>
       </p:sp>
-      <p:pic>
-        <p:nvPicPr>
-          <p:cNvPr id="4" name="图片 3"/>
-          <p:cNvPicPr>
-            <a:picLocks noChangeAspect="1"/>
-          </p:cNvPicPr>
-          <p:nvPr/>
-        </p:nvPicPr>
-        <p:blipFill>
-          <a:blip r:embed="rId1"/>
-          <a:stretch>
-            <a:fillRect/>
-          </a:stretch>
-        </p:blipFill>
+      <p:sp>
+        <p:nvSpPr>
+          <p:cNvPr id="5" name="文本占位符 4"/>
+          <p:cNvSpPr>
+            <a:spLocks noGrp="1"/>
+          </p:cNvSpPr>
+          <p:nvPr>
+            <p:ph type="body" sz="quarter" idx="15"/>
+          </p:nvPr>
+        </p:nvSpPr>
         <p:spPr>
           <a:xfrm>
-            <a:off x="5347970" y="3521075"/>
-            <a:ext cx="6696075" cy="2590800"/>
+            <a:off x="4629150" y="3759835"/>
+            <a:ext cx="4455160" cy="721360"/>
           </a:xfrm>
-          <a:prstGeom prst="rect">
-            <a:avLst/>
-          </a:prstGeom>
         </p:spPr>
-      </p:pic>
+        <p:txBody>
+          <a:bodyPr/>
+          <a:lstStyle/>
+          <a:p>
+            <a:r>
+              <a:rPr lang="zh-CN" altLang="en-US" dirty="0">
+                <a:solidFill>
+                  <a:srgbClr val="00C8C1"/>
+                </a:solidFill>
+              </a:rPr>
+              <a:t>第三方封装库</a:t>
+            </a:r>
+          </a:p>
+        </p:txBody>
+      </p:sp>
+      <p:sp>
+        <p:nvSpPr>
+          <p:cNvPr id="6" name="文本占位符 5"/>
+          <p:cNvSpPr>
+            <a:spLocks noGrp="1"/>
+          </p:cNvSpPr>
+          <p:nvPr>
+            <p:ph type="body" sz="quarter" idx="17"/>
+          </p:nvPr>
+        </p:nvSpPr>
+        <p:spPr>
+          <a:xfrm>
+            <a:off x="4629150" y="4963160"/>
+            <a:ext cx="4455160" cy="721995"/>
+          </a:xfrm>
+        </p:spPr>
+        <p:txBody>
+          <a:bodyPr/>
+          <a:lstStyle/>
+          <a:p>
+            <a:r>
+              <a:rPr lang="zh-CN" altLang="en-US" dirty="0"/>
+              <a:t>总结</a:t>
+            </a:r>
+          </a:p>
+        </p:txBody>
+      </p:sp>
+      <p:sp>
+        <p:nvSpPr>
+          <p:cNvPr id="7" name="文本占位符 6"/>
+          <p:cNvSpPr>
+            <a:spLocks noGrp="1"/>
+          </p:cNvSpPr>
+          <p:nvPr>
+            <p:ph type="body" sz="quarter" idx="18"/>
+          </p:nvPr>
+        </p:nvSpPr>
+        <p:spPr/>
+        <p:txBody>
+          <a:bodyPr/>
+          <a:lstStyle/>
+          <a:p>
+            <a:r>
+              <a:rPr lang="en-US" altLang="zh-CN" dirty="0"/>
+              <a:t>CONTENTS</a:t>
+            </a:r>
+            <a:endParaRPr lang="zh-CN" altLang="en-US" dirty="0"/>
+          </a:p>
+        </p:txBody>
+      </p:sp>
     </p:spTree>
   </p:cSld>
   <p:clrMapOvr>
     <a:masterClrMapping/>
   </p:clrMapOvr>
-  <p:timing>
-    <p:tnLst>
-      <p:par>
-        <p:cTn id="1" dur="indefinite" restart="never" nodeType="tmRoot"/>
-      </p:par>
-    </p:tnLst>
-  </p:timing>
 </p:sld>
 </file>
 
@@ -26696,10 +26802,39 @@
         <p:cNvGrpSpPr/>
         <p:nvPr/>
       </p:nvGrpSpPr>
-      <p:grpSpPr/>
-      <p:sp>
-        <p:nvSpPr>
-          <p:cNvPr id="2" name="标题 1"/>
+      <p:grpSpPr>
+        <a:xfrm>
+          <a:off x="0" y="0"/>
+          <a:ext cx="0" cy="0"/>
+          <a:chOff x="0" y="0"/>
+          <a:chExt cx="0" cy="0"/>
+        </a:xfrm>
+      </p:grpSpPr>
+      <p:sp>
+        <p:nvSpPr>
+          <p:cNvPr id="2" name="文本占位符 1"/>
+          <p:cNvSpPr>
+            <a:spLocks noGrp="1"/>
+          </p:cNvSpPr>
+          <p:nvPr>
+            <p:ph type="body" sz="quarter" idx="13"/>
+          </p:nvPr>
+        </p:nvSpPr>
+        <p:spPr/>
+        <p:txBody>
+          <a:bodyPr/>
+          <a:lstStyle/>
+          <a:p>
+            <a:r>
+              <a:rPr lang="zh-CN" altLang="en-US"/>
+              <a:t>介绍</a:t>
+            </a:r>
+          </a:p>
+        </p:txBody>
+      </p:sp>
+      <p:sp>
+        <p:nvSpPr>
+          <p:cNvPr id="3" name="标题 2"/>
           <p:cNvSpPr>
             <a:spLocks noGrp="1"/>
           </p:cNvSpPr>
@@ -26707,88 +26842,20 @@
             <p:ph type="title"/>
           </p:nvPr>
         </p:nvSpPr>
-        <p:spPr/>
-        <p:txBody>
-          <a:bodyPr>
-            <a:normAutofit fontScale="90000"/>
-          </a:bodyPr>
-          <a:p>
-            <a:endParaRPr lang="zh-CN" altLang="en-US"/>
-          </a:p>
-        </p:txBody>
-      </p:sp>
-      <p:sp>
-        <p:nvSpPr>
-          <p:cNvPr id="7" name="内容占位符 6"/>
-          <p:cNvSpPr/>
-          <p:nvPr>
-            <p:ph sz="quarter" idx="13"/>
-          </p:nvPr>
-        </p:nvSpPr>
-        <p:spPr/>
+        <p:spPr>
+          <a:xfrm>
+            <a:off x="6508750" y="2385695"/>
+            <a:ext cx="6442710" cy="962660"/>
+          </a:xfrm>
+        </p:spPr>
         <p:txBody>
           <a:bodyPr/>
-          <a:p>
-            <a:r>
-              <a:rPr lang="zh-CN" altLang="en-US">
-                <a:sym typeface="+mn-ea"/>
-              </a:rPr>
-              <a:t>组件是前端的发展方向，现在流行的 React 和 Vue 都是组件框架。</a:t>
-            </a:r>
-            <a:endParaRPr lang="zh-CN" altLang="en-US"/>
-          </a:p>
-          <a:p>
-            <a:r>
-              <a:rPr lang="en-US" altLang="zh-CN">
-                <a:sym typeface="+mn-ea"/>
-              </a:rPr>
-              <a:t>react</a:t>
-            </a:r>
-            <a:r>
-              <a:rPr lang="zh-CN" altLang="en-US">
-                <a:sym typeface="+mn-ea"/>
-              </a:rPr>
-              <a:t>组件：https://react.docschina.org/docs/components-and-props.html</a:t>
-            </a:r>
-            <a:endParaRPr lang="zh-CN" altLang="en-US"/>
-          </a:p>
-          <a:p>
-            <a:r>
-              <a:rPr lang="en-US" altLang="zh-CN">
-                <a:sym typeface="+mn-ea"/>
-              </a:rPr>
-              <a:t>vue3</a:t>
-            </a:r>
-            <a:r>
-              <a:rPr lang="zh-CN" altLang="en-US">
-                <a:sym typeface="+mn-ea"/>
-              </a:rPr>
-              <a:t>组件：https://v3.cn.vuejs.org/guide/component-basics.html</a:t>
-            </a:r>
-            <a:endParaRPr lang="zh-CN" altLang="en-US"/>
-          </a:p>
-          <a:p>
-            <a:endParaRPr lang="zh-CN" altLang="en-US"/>
-          </a:p>
-          <a:p>
-            <a:r>
-              <a:rPr lang="zh-CN" altLang="en-US">
-                <a:sym typeface="+mn-ea"/>
-              </a:rPr>
-              <a:t>谷歌公司由于掌握了 Chrome 浏览器，一直在推动浏览器的原生组件，即 Web Components API。</a:t>
-            </a:r>
-            <a:endParaRPr lang="zh-CN" altLang="en-US">
-              <a:sym typeface="+mn-ea"/>
-            </a:endParaRPr>
-          </a:p>
-          <a:p>
-            <a:r>
-              <a:rPr lang="zh-CN" altLang="en-US">
-                <a:sym typeface="+mn-ea"/>
-              </a:rPr>
-              <a:t>相比第三方框架，原生组件简单直接，符合直觉，不用加载任何外部模块，代码量小。</a:t>
-            </a:r>
-            <a:endParaRPr lang="zh-CN" altLang="en-US"/>
+          <a:lstStyle/>
+          <a:p>
+            <a:r>
+              <a:rPr lang="en-US" altLang="zh-CN" dirty="0"/>
+              <a:t>Web Components</a:t>
+            </a:r>
           </a:p>
         </p:txBody>
       </p:sp>
@@ -26809,7 +26876,14 @@
         <p:cNvGrpSpPr/>
         <p:nvPr/>
       </p:nvGrpSpPr>
-      <p:grpSpPr/>
+      <p:grpSpPr>
+        <a:xfrm>
+          <a:off x="0" y="0"/>
+          <a:ext cx="0" cy="0"/>
+          <a:chOff x="0" y="0"/>
+          <a:chExt cx="0" cy="0"/>
+        </a:xfrm>
+      </p:grpSpPr>
       <p:sp>
         <p:nvSpPr>
           <p:cNvPr id="2" name="标题 1"/>
@@ -26823,8 +26897,9 @@
         <p:spPr/>
         <p:txBody>
           <a:bodyPr>
-            <a:normAutofit fontScale="90000"/>
+            <a:normAutofit/>
           </a:bodyPr>
+          <a:lstStyle/>
           <a:p>
             <a:r>
               <a:rPr lang="zh-CN" altLang="en-US">
@@ -26849,23 +26924,24 @@
         <p:spPr/>
         <p:txBody>
           <a:bodyPr/>
-          <a:p>
-            <a:r>
-              <a:rPr lang="zh-CN" altLang="en-US">
+          <a:lstStyle/>
+          <a:p>
+            <a:r>
+              <a:rPr lang="zh-CN" altLang="en-US" dirty="0">
                 <a:sym typeface="+mn-ea"/>
               </a:rPr>
               <a:t>Web Components 是一套不同的技术，允许您创建可重用的定制元素（它们的功能封装在您的代码之外）并且在您的web应用中使用它们。—— </a:t>
             </a:r>
             <a:r>
-              <a:rPr lang="en-US" altLang="zh-CN">
+              <a:rPr lang="en-US" altLang="zh-CN" dirty="0">
                 <a:sym typeface="+mn-ea"/>
               </a:rPr>
               <a:t>MDN</a:t>
             </a:r>
-            <a:endParaRPr lang="zh-CN" altLang="en-US"/>
-          </a:p>
-          <a:p>
-            <a:endParaRPr lang="zh-CN" altLang="en-US"/>
+            <a:endParaRPr lang="zh-CN" altLang="en-US" dirty="0"/>
+          </a:p>
+          <a:p>
+            <a:endParaRPr lang="zh-CN" altLang="en-US" dirty="0"/>
           </a:p>
         </p:txBody>
       </p:sp>
@@ -26886,7 +26962,14 @@
         <p:cNvGrpSpPr/>
         <p:nvPr/>
       </p:nvGrpSpPr>
-      <p:grpSpPr/>
+      <p:grpSpPr>
+        <a:xfrm>
+          <a:off x="0" y="0"/>
+          <a:ext cx="0" cy="0"/>
+          <a:chOff x="0" y="0"/>
+          <a:chExt cx="0" cy="0"/>
+        </a:xfrm>
+      </p:grpSpPr>
       <p:sp>
         <p:nvSpPr>
           <p:cNvPr id="2" name="文本框 1"/>
@@ -26907,100 +26990,89 @@
           <a:bodyPr wrap="square" rtlCol="0" anchor="t">
             <a:spAutoFit/>
           </a:bodyPr>
-          <a:p>
-            <a:r>
-              <a:rPr lang="zh-CN" altLang="en-US"/>
+          <a:lstStyle/>
+          <a:p>
+            <a:r>
+              <a:rPr lang="zh-CN" altLang="en-US" dirty="0"/>
               <a:t>&lt;!DOCTYPE html&gt;</a:t>
             </a:r>
-            <a:endParaRPr lang="zh-CN" altLang="en-US"/>
-          </a:p>
-          <a:p>
-            <a:r>
-              <a:rPr lang="zh-CN" altLang="en-US"/>
+          </a:p>
+          <a:p>
+            <a:r>
+              <a:rPr lang="zh-CN" altLang="en-US" dirty="0"/>
               <a:t>&lt;html lang="en"&gt;</a:t>
             </a:r>
-            <a:endParaRPr lang="zh-CN" altLang="en-US"/>
-          </a:p>
-          <a:p>
-            <a:r>
-              <a:rPr lang="zh-CN" altLang="en-US"/>
+          </a:p>
+          <a:p>
+            <a:r>
+              <a:rPr lang="zh-CN" altLang="en-US" dirty="0"/>
               <a:t>&lt;head&gt;</a:t>
             </a:r>
-            <a:endParaRPr lang="zh-CN" altLang="en-US"/>
-          </a:p>
-          <a:p>
-            <a:r>
-              <a:rPr lang="zh-CN" altLang="en-US"/>
+          </a:p>
+          <a:p>
+            <a:r>
+              <a:rPr lang="zh-CN" altLang="en-US" dirty="0"/>
               <a:t>  &lt;title&gt;Document&lt;/title&gt;</a:t>
             </a:r>
-            <a:endParaRPr lang="zh-CN" altLang="en-US"/>
-          </a:p>
-          <a:p>
-            <a:r>
-              <a:rPr lang="zh-CN" altLang="en-US"/>
+          </a:p>
+          <a:p>
+            <a:r>
+              <a:rPr lang="zh-CN" altLang="en-US" dirty="0"/>
               <a:t>&lt;/head&gt;</a:t>
             </a:r>
-            <a:endParaRPr lang="zh-CN" altLang="en-US"/>
-          </a:p>
-          <a:p>
-            <a:r>
-              <a:rPr lang="zh-CN" altLang="en-US"/>
+          </a:p>
+          <a:p>
+            <a:r>
+              <a:rPr lang="zh-CN" altLang="en-US" dirty="0"/>
               <a:t>&lt;body&gt;</a:t>
             </a:r>
-            <a:endParaRPr lang="zh-CN" altLang="en-US"/>
-          </a:p>
-          <a:p>
-            <a:r>
-              <a:rPr lang="zh-CN" altLang="en-US"/>
+          </a:p>
+          <a:p>
+            <a:r>
+              <a:rPr lang="zh-CN" altLang="en-US" dirty="0"/>
               <a:t>  &lt;h1&gt;&lt;/h1&gt;</a:t>
             </a:r>
-            <a:endParaRPr lang="zh-CN" altLang="en-US"/>
-          </a:p>
-          <a:p>
-            <a:r>
-              <a:rPr lang="zh-CN" altLang="en-US"/>
+          </a:p>
+          <a:p>
+            <a:r>
+              <a:rPr lang="zh-CN" altLang="en-US" dirty="0"/>
               <a:t>  &lt;p&gt;&lt;/p&gt;</a:t>
             </a:r>
-            <a:endParaRPr lang="zh-CN" altLang="en-US"/>
-          </a:p>
-          <a:p>
-            <a:r>
-              <a:rPr lang="zh-CN" altLang="en-US"/>
+          </a:p>
+          <a:p>
+            <a:r>
+              <a:rPr lang="zh-CN" altLang="en-US" dirty="0"/>
               <a:t>  &lt;div&gt;&lt;/div&gt;</a:t>
             </a:r>
-            <a:endParaRPr lang="zh-CN" altLang="en-US"/>
-          </a:p>
-          <a:p>
-            <a:r>
-              <a:rPr lang="zh-CN" altLang="en-US"/>
+          </a:p>
+          <a:p>
+            <a:r>
+              <a:rPr lang="zh-CN" altLang="en-US" dirty="0"/>
               <a:t>  &lt;img src="" alt /&gt;</a:t>
             </a:r>
-            <a:endParaRPr lang="zh-CN" altLang="en-US"/>
-          </a:p>
-          <a:p>
-            <a:r>
-              <a:rPr lang="zh-CN" altLang="en-US"/>
+          </a:p>
+          <a:p>
+            <a:r>
+              <a:rPr lang="zh-CN" altLang="en-US" dirty="0"/>
               <a:t> </a:t>
             </a:r>
             <a:r>
-              <a:rPr lang="en-US" altLang="zh-CN"/>
+              <a:rPr lang="en-US" altLang="zh-CN" dirty="0"/>
               <a:t>&lt;ha-ha&gt;&lt;/ha-ha&gt;</a:t>
             </a:r>
-            <a:endParaRPr lang="zh-CN" altLang="en-US"/>
-          </a:p>
-          <a:p>
-            <a:r>
-              <a:rPr lang="zh-CN" altLang="en-US"/>
+            <a:endParaRPr lang="zh-CN" altLang="en-US" dirty="0"/>
+          </a:p>
+          <a:p>
+            <a:r>
+              <a:rPr lang="zh-CN" altLang="en-US" dirty="0"/>
               <a:t>&lt;/body&gt;</a:t>
             </a:r>
-            <a:endParaRPr lang="zh-CN" altLang="en-US"/>
-          </a:p>
-          <a:p>
-            <a:r>
-              <a:rPr lang="zh-CN" altLang="en-US"/>
+          </a:p>
+          <a:p>
+            <a:r>
+              <a:rPr lang="zh-CN" altLang="en-US" dirty="0"/>
               <a:t>&lt;/html&gt;</a:t>
             </a:r>
-            <a:endParaRPr lang="zh-CN" altLang="en-US"/>
           </a:p>
         </p:txBody>
       </p:sp>
@@ -27021,7 +27093,14 @@
         <p:cNvGrpSpPr/>
         <p:nvPr/>
       </p:nvGrpSpPr>
-      <p:grpSpPr/>
+      <p:grpSpPr>
+        <a:xfrm>
+          <a:off x="0" y="0"/>
+          <a:ext cx="0" cy="0"/>
+          <a:chOff x="0" y="0"/>
+          <a:chExt cx="0" cy="0"/>
+        </a:xfrm>
+      </p:grpSpPr>
       <p:sp>
         <p:nvSpPr>
           <p:cNvPr id="2" name="文本框 1"/>
@@ -27042,55 +27121,51 @@
           <a:bodyPr wrap="square" rtlCol="0" anchor="t">
             <a:spAutoFit/>
           </a:bodyPr>
-          <a:p>
-            <a:r>
-              <a:rPr lang="zh-CN" altLang="en-US"/>
+          <a:lstStyle/>
+          <a:p>
+            <a:r>
+              <a:rPr lang="zh-CN" altLang="en-US" dirty="0"/>
               <a:t>Web Components主要由三项技术组成，分别为</a:t>
             </a:r>
-            <a:endParaRPr lang="zh-CN" altLang="en-US"/>
-          </a:p>
-          <a:p>
-            <a:endParaRPr lang="zh-CN" altLang="en-US"/>
+          </a:p>
+          <a:p>
+            <a:endParaRPr lang="zh-CN" altLang="en-US" dirty="0"/>
           </a:p>
           <a:p>
             <a:pPr marL="342900" indent="-342900">
               <a:buAutoNum type="arabicPeriod"/>
             </a:pPr>
             <a:r>
-              <a:rPr lang="zh-CN" altLang="en-US"/>
+              <a:rPr lang="zh-CN" altLang="en-US" dirty="0"/>
               <a:t>Custom elements（自定义元素）</a:t>
             </a:r>
-            <a:endParaRPr lang="zh-CN" altLang="en-US"/>
           </a:p>
           <a:p>
             <a:pPr marL="342900" indent="-342900">
               <a:buAutoNum type="arabicPeriod"/>
             </a:pPr>
             <a:r>
-              <a:rPr lang="zh-CN" altLang="en-US"/>
+              <a:rPr lang="zh-CN" altLang="en-US" dirty="0"/>
               <a:t>Shadow DOM（影子DOM）</a:t>
             </a:r>
-            <a:endParaRPr lang="zh-CN" altLang="en-US"/>
           </a:p>
           <a:p>
             <a:pPr marL="342900" indent="-342900">
               <a:buAutoNum type="arabicPeriod"/>
             </a:pPr>
             <a:r>
-              <a:rPr lang="zh-CN" altLang="en-US"/>
+              <a:rPr lang="zh-CN" altLang="en-US" dirty="0"/>
               <a:t>HTML templates（HTML模板）</a:t>
             </a:r>
-            <a:endParaRPr lang="zh-CN" altLang="en-US"/>
-          </a:p>
-          <a:p>
-            <a:endParaRPr lang="zh-CN" altLang="en-US"/>
-          </a:p>
-          <a:p>
-            <a:r>
-              <a:rPr lang="zh-CN" altLang="en-US"/>
+          </a:p>
+          <a:p>
+            <a:endParaRPr lang="zh-CN" altLang="en-US" dirty="0"/>
+          </a:p>
+          <a:p>
+            <a:r>
+              <a:rPr lang="zh-CN" altLang="en-US" dirty="0"/>
               <a:t>它们可以一起使用来创建功能强大的定制元素，并且可以在我们喜欢的任何地方重用，不必担心代码冲突。</a:t>
             </a:r>
-            <a:endParaRPr lang="zh-CN" altLang="en-US"/>
           </a:p>
         </p:txBody>
       </p:sp>
@@ -27111,7 +27186,14 @@
         <p:cNvGrpSpPr/>
         <p:nvPr/>
       </p:nvGrpSpPr>
-      <p:grpSpPr/>
+      <p:grpSpPr>
+        <a:xfrm>
+          <a:off x="0" y="0"/>
+          <a:ext cx="0" cy="0"/>
+          <a:chOff x="0" y="0"/>
+          <a:chExt cx="0" cy="0"/>
+        </a:xfrm>
+      </p:grpSpPr>
       <p:sp>
         <p:nvSpPr>
           <p:cNvPr id="2" name="文本框 1"/>
@@ -27132,40 +27214,36 @@
           <a:bodyPr wrap="square" rtlCol="0" anchor="t">
             <a:spAutoFit/>
           </a:bodyPr>
+          <a:lstStyle/>
           <a:p>
             <a:r>
               <a:rPr lang="zh-CN" altLang="en-US"/>
               <a:t>customElements.define(</a:t>
             </a:r>
-            <a:endParaRPr lang="zh-CN" altLang="en-US"/>
           </a:p>
           <a:p>
             <a:r>
               <a:rPr lang="zh-CN" altLang="en-US"/>
               <a:t>'word-count', </a:t>
             </a:r>
-            <a:endParaRPr lang="zh-CN" altLang="en-US"/>
           </a:p>
           <a:p>
             <a:r>
               <a:rPr lang="zh-CN" altLang="en-US"/>
               <a:t>class WordCount extends HTMLParagraphElement {</a:t>
             </a:r>
-            <a:endParaRPr lang="zh-CN" altLang="en-US"/>
           </a:p>
           <a:p>
             <a:r>
               <a:rPr lang="zh-CN" altLang="en-US"/>
               <a:t>  constructor() {</a:t>
             </a:r>
-            <a:endParaRPr lang="zh-CN" altLang="en-US"/>
           </a:p>
           <a:p>
             <a:r>
               <a:rPr lang="zh-CN" altLang="en-US"/>
               <a:t>    super();</a:t>
             </a:r>
-            <a:endParaRPr lang="zh-CN" altLang="en-US"/>
           </a:p>
           <a:p>
             <a:endParaRPr lang="zh-CN" altLang="en-US"/>
@@ -27175,28 +27253,24 @@
               <a:rPr lang="zh-CN" altLang="en-US"/>
               <a:t>    // 元素的功能代码</a:t>
             </a:r>
-            <a:endParaRPr lang="zh-CN" altLang="en-US"/>
           </a:p>
           <a:p>
             <a:r>
               <a:rPr lang="zh-CN" altLang="en-US"/>
               <a:t>    ...</a:t>
             </a:r>
-            <a:endParaRPr lang="zh-CN" altLang="en-US"/>
           </a:p>
           <a:p>
             <a:r>
               <a:rPr lang="zh-CN" altLang="en-US"/>
               <a:t>  }</a:t>
             </a:r>
-            <a:endParaRPr lang="zh-CN" altLang="en-US"/>
           </a:p>
           <a:p>
             <a:r>
               <a:rPr lang="zh-CN" altLang="en-US"/>
               <a:t>}, { extends: 'p' });</a:t>
             </a:r>
-            <a:endParaRPr lang="zh-CN" altLang="en-US"/>
           </a:p>
         </p:txBody>
       </p:sp>
@@ -27220,12 +27294,12 @@
           <a:bodyPr wrap="square" rtlCol="0" anchor="t">
             <a:spAutoFit/>
           </a:bodyPr>
+          <a:lstStyle/>
           <a:p>
             <a:r>
               <a:rPr lang="zh-CN" altLang="en-US"/>
               <a:t>Custom elements（自定义元素）</a:t>
             </a:r>
-            <a:endParaRPr lang="zh-CN" altLang="en-US"/>
           </a:p>
         </p:txBody>
       </p:sp>
@@ -27249,12 +27323,12 @@
           <a:bodyPr wrap="square" rtlCol="0" anchor="t">
             <a:spAutoFit/>
           </a:bodyPr>
+          <a:lstStyle/>
           <a:p>
             <a:r>
               <a:rPr lang="zh-CN" altLang="en-US"/>
               <a:t>custom elements也就是我们常说的自定义标签，它主要通过CustomElementRegistry接口来定义，CustomElementRegistry.define(name, class, extends) 方法用来注册一个custom element，该方法接受以下参数：</a:t>
             </a:r>
-            <a:endParaRPr lang="zh-CN" altLang="en-US"/>
           </a:p>
           <a:p>
             <a:endParaRPr lang="zh-CN" altLang="en-US"/>
@@ -27264,21 +27338,18 @@
               <a:rPr lang="zh-CN" altLang="en-US"/>
               <a:t>name 所创建的元素名称，且需符合 DOMString 标准的字符串。注意，custom element 的名称不能是单个单词，且其中必须要有短横线</a:t>
             </a:r>
-            <a:endParaRPr lang="zh-CN" altLang="en-US"/>
           </a:p>
           <a:p>
             <a:r>
               <a:rPr lang="zh-CN" altLang="en-US"/>
               <a:t>class 用于定义元素行为的类</a:t>
             </a:r>
-            <a:endParaRPr lang="zh-CN" altLang="en-US"/>
           </a:p>
           <a:p>
             <a:r>
               <a:rPr lang="zh-CN" altLang="en-US"/>
               <a:t>extends 可选参数，一个包含 extends 属性的配置对象，指定了所创建的元素继承自哪个内置元素，可以继承任何内置元素。</a:t>
             </a:r>
-            <a:endParaRPr lang="zh-CN" altLang="en-US"/>
           </a:p>
         </p:txBody>
       </p:sp>
@@ -27541,6 +27612,8 @@
       </a:bgFillStyleLst>
     </a:fmtScheme>
   </a:themeElements>
+  <a:objectDefaults/>
+  <a:extraClrSchemeLst/>
   <a:extLst>
     <a:ext uri="{05A4C25C-085E-4340-85A3-A5531E510DB2}">
       <thm15:themeFamily xmlns:thm15="http://schemas.microsoft.com/office/thememl/2012/main" name="Office Theme" id="{62F939B6-93AF-4DB8-9C6B-D6C7DFDC589F}" vid="{4A3C46E8-61CC-4603-A589-7422A47A8E4A}"/>
@@ -27800,6 +27873,8 @@
       </a:bgFillStyleLst>
     </a:fmtScheme>
   </a:themeElements>
+  <a:objectDefaults/>
+  <a:extraClrSchemeLst/>
   <a:extLst>
     <a:ext uri="{05A4C25C-085E-4340-85A3-A5531E510DB2}">
       <thm15:themeFamily xmlns:thm15="http://schemas.microsoft.com/office/thememl/2012/main" name="Office Theme" id="{62F939B6-93AF-4DB8-9C6B-D6C7DFDC589F}" vid="{4A3C46E8-61CC-4603-A589-7422A47A8E4A}"/>
@@ -28059,6 +28134,8 @@
       </a:bgFillStyleLst>
     </a:fmtScheme>
   </a:themeElements>
+  <a:objectDefaults/>
+  <a:extraClrSchemeLst/>
   <a:extLst>
     <a:ext uri="{05A4C25C-085E-4340-85A3-A5531E510DB2}">
       <thm15:themeFamily xmlns:thm15="http://schemas.microsoft.com/office/thememl/2012/main" name="Office Theme" id="{62F939B6-93AF-4DB8-9C6B-D6C7DFDC589F}" vid="{4A3C46E8-61CC-4603-A589-7422A47A8E4A}"/>
@@ -28318,6 +28395,8 @@
       </a:bgFillStyleLst>
     </a:fmtScheme>
   </a:themeElements>
+  <a:objectDefaults/>
+  <a:extraClrSchemeLst/>
   <a:extLst>
     <a:ext uri="{05A4C25C-085E-4340-85A3-A5531E510DB2}">
       <thm15:themeFamily xmlns:thm15="http://schemas.microsoft.com/office/thememl/2012/main" name="Office Theme" id="{62F939B6-93AF-4DB8-9C6B-D6C7DFDC589F}" vid="{4A3C46E8-61CC-4603-A589-7422A47A8E4A}"/>
